--- a/presentation (1).pptx
+++ b/presentation (1).pptx
@@ -5,7 +5,7 @@
     <p:sldMasterId id="2147483690" r:id="rId1"/>
   </p:sldMasterIdLst>
   <p:notesMasterIdLst>
-    <p:notesMasterId r:id="rId60"/>
+    <p:notesMasterId r:id="rId50"/>
   </p:notesMasterIdLst>
   <p:sldIdLst>
     <p:sldId id="270" r:id="rId2"/>
@@ -22,50 +22,40 @@
     <p:sldId id="277" r:id="rId13"/>
     <p:sldId id="278" r:id="rId14"/>
     <p:sldId id="279" r:id="rId15"/>
-    <p:sldId id="317" r:id="rId16"/>
-    <p:sldId id="315" r:id="rId17"/>
-    <p:sldId id="316" r:id="rId18"/>
-    <p:sldId id="274" r:id="rId19"/>
-    <p:sldId id="283" r:id="rId20"/>
-    <p:sldId id="319" r:id="rId21"/>
-    <p:sldId id="320" r:id="rId22"/>
-    <p:sldId id="321" r:id="rId23"/>
-    <p:sldId id="333" r:id="rId24"/>
-    <p:sldId id="322" r:id="rId25"/>
-    <p:sldId id="334" r:id="rId26"/>
-    <p:sldId id="323" r:id="rId27"/>
-    <p:sldId id="324" r:id="rId28"/>
-    <p:sldId id="325" r:id="rId29"/>
-    <p:sldId id="326" r:id="rId30"/>
-    <p:sldId id="327" r:id="rId31"/>
-    <p:sldId id="329" r:id="rId32"/>
-    <p:sldId id="331" r:id="rId33"/>
-    <p:sldId id="273" r:id="rId34"/>
-    <p:sldId id="276" r:id="rId35"/>
-    <p:sldId id="363" r:id="rId36"/>
-    <p:sldId id="366" r:id="rId37"/>
-    <p:sldId id="368" r:id="rId38"/>
-    <p:sldId id="367" r:id="rId39"/>
-    <p:sldId id="369" r:id="rId40"/>
-    <p:sldId id="371" r:id="rId41"/>
-    <p:sldId id="372" r:id="rId42"/>
-    <p:sldId id="373" r:id="rId43"/>
-    <p:sldId id="374" r:id="rId44"/>
-    <p:sldId id="375" r:id="rId45"/>
-    <p:sldId id="376" r:id="rId46"/>
-    <p:sldId id="377" r:id="rId47"/>
-    <p:sldId id="378" r:id="rId48"/>
-    <p:sldId id="379" r:id="rId49"/>
-    <p:sldId id="380" r:id="rId50"/>
-    <p:sldId id="337" r:id="rId51"/>
-    <p:sldId id="288" r:id="rId52"/>
-    <p:sldId id="338" r:id="rId53"/>
-    <p:sldId id="336" r:id="rId54"/>
-    <p:sldId id="339" r:id="rId55"/>
-    <p:sldId id="340" r:id="rId56"/>
-    <p:sldId id="341" r:id="rId57"/>
-    <p:sldId id="342" r:id="rId58"/>
-    <p:sldId id="370" r:id="rId59"/>
+    <p:sldId id="274" r:id="rId16"/>
+    <p:sldId id="283" r:id="rId17"/>
+    <p:sldId id="319" r:id="rId18"/>
+    <p:sldId id="320" r:id="rId19"/>
+    <p:sldId id="321" r:id="rId20"/>
+    <p:sldId id="322" r:id="rId21"/>
+    <p:sldId id="323" r:id="rId22"/>
+    <p:sldId id="325" r:id="rId23"/>
+    <p:sldId id="326" r:id="rId24"/>
+    <p:sldId id="327" r:id="rId25"/>
+    <p:sldId id="329" r:id="rId26"/>
+    <p:sldId id="331" r:id="rId27"/>
+    <p:sldId id="273" r:id="rId28"/>
+    <p:sldId id="276" r:id="rId29"/>
+    <p:sldId id="363" r:id="rId30"/>
+    <p:sldId id="366" r:id="rId31"/>
+    <p:sldId id="368" r:id="rId32"/>
+    <p:sldId id="367" r:id="rId33"/>
+    <p:sldId id="369" r:id="rId34"/>
+    <p:sldId id="371" r:id="rId35"/>
+    <p:sldId id="372" r:id="rId36"/>
+    <p:sldId id="373" r:id="rId37"/>
+    <p:sldId id="374" r:id="rId38"/>
+    <p:sldId id="375" r:id="rId39"/>
+    <p:sldId id="376" r:id="rId40"/>
+    <p:sldId id="377" r:id="rId41"/>
+    <p:sldId id="378" r:id="rId42"/>
+    <p:sldId id="379" r:id="rId43"/>
+    <p:sldId id="380" r:id="rId44"/>
+    <p:sldId id="337" r:id="rId45"/>
+    <p:sldId id="338" r:id="rId46"/>
+    <p:sldId id="339" r:id="rId47"/>
+    <p:sldId id="341" r:id="rId48"/>
+    <p:sldId id="370" r:id="rId49"/>
   </p:sldIdLst>
   <p:sldSz cx="12192000" cy="6858000"/>
   <p:notesSz cx="6858000" cy="9144000"/>
@@ -254,7 +244,7 @@
           <a:p>
             <a:fld id="{E2366FBA-6F96-4BA6-B931-207793C3734E}" type="datetimeFigureOut">
               <a:rPr lang="tr-TR" smtClean="0"/>
-              <a:t>15.12.2019</a:t>
+              <a:t>16.12.2019</a:t>
             </a:fld>
             <a:endParaRPr lang="tr-TR"/>
           </a:p>
@@ -566,7 +556,7 @@
           <a:bodyPr/>
           <a:lstStyle/>
           <a:p>
-            <a:endParaRPr lang="en-US" dirty="0"/>
+            <a:endParaRPr lang="tr-TR" dirty="0"/>
           </a:p>
         </p:txBody>
       </p:sp>
@@ -587,91 +577,7 @@
           <a:p>
             <a:fld id="{D3CBAA2C-57C0-4DF2-B074-685FEFAB5ADC}" type="slidenum">
               <a:rPr lang="tr-TR" smtClean="0"/>
-              <a:t>23</a:t>
-            </a:fld>
-            <a:endParaRPr lang="tr-TR"/>
-          </a:p>
-        </p:txBody>
-      </p:sp>
-    </p:spTree>
-    <p:extLst>
-      <p:ext uri="{BB962C8B-B14F-4D97-AF65-F5344CB8AC3E}">
-        <p14:creationId xmlns:p14="http://schemas.microsoft.com/office/powerpoint/2010/main" val="3608711412"/>
-      </p:ext>
-    </p:extLst>
-  </p:cSld>
-  <p:clrMapOvr>
-    <a:masterClrMapping/>
-  </p:clrMapOvr>
-</p:notes>
-</file>
-
-<file path=ppt/notesSlides/notesSlide2.xml><?xml version="1.0" encoding="utf-8"?>
-<p:notes xmlns:a="http://schemas.openxmlformats.org/drawingml/2006/main" xmlns:r="http://schemas.openxmlformats.org/officeDocument/2006/relationships" xmlns:p="http://schemas.openxmlformats.org/presentationml/2006/main">
-  <p:cSld>
-    <p:spTree>
-      <p:nvGrpSpPr>
-        <p:cNvPr id="1" name=""/>
-        <p:cNvGrpSpPr/>
-        <p:nvPr/>
-      </p:nvGrpSpPr>
-      <p:grpSpPr>
-        <a:xfrm>
-          <a:off x="0" y="0"/>
-          <a:ext cx="0" cy="0"/>
-          <a:chOff x="0" y="0"/>
-          <a:chExt cx="0" cy="0"/>
-        </a:xfrm>
-      </p:grpSpPr>
-      <p:sp>
-        <p:nvSpPr>
-          <p:cNvPr id="2" name="Slide Image Placeholder 1"/>
-          <p:cNvSpPr>
-            <a:spLocks noGrp="1" noRot="1" noChangeAspect="1"/>
-          </p:cNvSpPr>
-          <p:nvPr>
-            <p:ph type="sldImg"/>
-          </p:nvPr>
-        </p:nvSpPr>
-        <p:spPr/>
-      </p:sp>
-      <p:sp>
-        <p:nvSpPr>
-          <p:cNvPr id="3" name="Notes Placeholder 2"/>
-          <p:cNvSpPr>
-            <a:spLocks noGrp="1"/>
-          </p:cNvSpPr>
-          <p:nvPr>
-            <p:ph type="body" idx="1"/>
-          </p:nvPr>
-        </p:nvSpPr>
-        <p:spPr/>
-        <p:txBody>
-          <a:bodyPr/>
-          <a:lstStyle/>
-          <a:p>
-            <a:endParaRPr lang="tr-TR" dirty="0"/>
-          </a:p>
-        </p:txBody>
-      </p:sp>
-      <p:sp>
-        <p:nvSpPr>
-          <p:cNvPr id="4" name="Slide Number Placeholder 3"/>
-          <p:cNvSpPr>
-            <a:spLocks noGrp="1"/>
-          </p:cNvSpPr>
-          <p:nvPr>
-            <p:ph type="sldNum" sz="quarter" idx="10"/>
-          </p:nvPr>
-        </p:nvSpPr>
-        <p:spPr/>
-        <p:txBody>
-          <a:bodyPr/>
-          <a:lstStyle/>
-          <a:p>
-            <a:fld id="{D3CBAA2C-57C0-4DF2-B074-685FEFAB5ADC}" type="slidenum">
-              <a:rPr lang="tr-TR" smtClean="0"/>
-              <a:t>48</a:t>
+              <a:t>42</a:t>
             </a:fld>
             <a:endParaRPr lang="tr-TR"/>
           </a:p>
@@ -858,7 +764,7 @@
           <a:p>
             <a:fld id="{11A5499F-FE83-4624-AA81-87EF59E51A59}" type="datetimeFigureOut">
               <a:rPr lang="tr-TR" smtClean="0"/>
-              <a:t>15.12.2019</a:t>
+              <a:t>16.12.2019</a:t>
             </a:fld>
             <a:endParaRPr lang="tr-TR"/>
           </a:p>
@@ -1086,7 +992,7 @@
           <a:p>
             <a:fld id="{11A5499F-FE83-4624-AA81-87EF59E51A59}" type="datetimeFigureOut">
               <a:rPr lang="tr-TR" smtClean="0"/>
-              <a:t>15.12.2019</a:t>
+              <a:t>16.12.2019</a:t>
             </a:fld>
             <a:endParaRPr lang="tr-TR"/>
           </a:p>
@@ -1266,7 +1172,7 @@
           <a:p>
             <a:fld id="{11A5499F-FE83-4624-AA81-87EF59E51A59}" type="datetimeFigureOut">
               <a:rPr lang="tr-TR" smtClean="0"/>
-              <a:t>15.12.2019</a:t>
+              <a:t>16.12.2019</a:t>
             </a:fld>
             <a:endParaRPr lang="tr-TR"/>
           </a:p>
@@ -1436,7 +1342,7 @@
           <a:p>
             <a:fld id="{11A5499F-FE83-4624-AA81-87EF59E51A59}" type="datetimeFigureOut">
               <a:rPr lang="tr-TR" smtClean="0"/>
-              <a:t>15.12.2019</a:t>
+              <a:t>16.12.2019</a:t>
             </a:fld>
             <a:endParaRPr lang="tr-TR"/>
           </a:p>
@@ -1690,7 +1596,7 @@
           <a:p>
             <a:fld id="{11A5499F-FE83-4624-AA81-87EF59E51A59}" type="datetimeFigureOut">
               <a:rPr lang="tr-TR" smtClean="0"/>
-              <a:t>15.12.2019</a:t>
+              <a:t>16.12.2019</a:t>
             </a:fld>
             <a:endParaRPr lang="tr-TR"/>
           </a:p>
@@ -2016,7 +1922,7 @@
           <a:p>
             <a:fld id="{11A5499F-FE83-4624-AA81-87EF59E51A59}" type="datetimeFigureOut">
               <a:rPr lang="tr-TR" smtClean="0"/>
-              <a:t>15.12.2019</a:t>
+              <a:t>16.12.2019</a:t>
             </a:fld>
             <a:endParaRPr lang="tr-TR"/>
           </a:p>
@@ -2467,7 +2373,7 @@
           <a:p>
             <a:fld id="{11A5499F-FE83-4624-AA81-87EF59E51A59}" type="datetimeFigureOut">
               <a:rPr lang="tr-TR" smtClean="0"/>
-              <a:t>15.12.2019</a:t>
+              <a:t>16.12.2019</a:t>
             </a:fld>
             <a:endParaRPr lang="tr-TR"/>
           </a:p>
@@ -2585,7 +2491,7 @@
           <a:p>
             <a:fld id="{11A5499F-FE83-4624-AA81-87EF59E51A59}" type="datetimeFigureOut">
               <a:rPr lang="tr-TR" smtClean="0"/>
-              <a:t>15.12.2019</a:t>
+              <a:t>16.12.2019</a:t>
             </a:fld>
             <a:endParaRPr lang="tr-TR"/>
           </a:p>
@@ -2680,7 +2586,7 @@
           <a:p>
             <a:fld id="{11A5499F-FE83-4624-AA81-87EF59E51A59}" type="datetimeFigureOut">
               <a:rPr lang="tr-TR" smtClean="0"/>
-              <a:t>15.12.2019</a:t>
+              <a:t>16.12.2019</a:t>
             </a:fld>
             <a:endParaRPr lang="tr-TR"/>
           </a:p>
@@ -2967,7 +2873,7 @@
           <a:p>
             <a:fld id="{11A5499F-FE83-4624-AA81-87EF59E51A59}" type="datetimeFigureOut">
               <a:rPr lang="tr-TR" smtClean="0"/>
-              <a:t>15.12.2019</a:t>
+              <a:t>16.12.2019</a:t>
             </a:fld>
             <a:endParaRPr lang="tr-TR"/>
           </a:p>
@@ -3289,7 +3195,7 @@
           <a:p>
             <a:fld id="{11A5499F-FE83-4624-AA81-87EF59E51A59}" type="datetimeFigureOut">
               <a:rPr lang="tr-TR" smtClean="0"/>
-              <a:t>15.12.2019</a:t>
+              <a:t>16.12.2019</a:t>
             </a:fld>
             <a:endParaRPr lang="tr-TR"/>
           </a:p>
@@ -3543,7 +3449,7 @@
           <a:p>
             <a:fld id="{11A5499F-FE83-4624-AA81-87EF59E51A59}" type="datetimeFigureOut">
               <a:rPr lang="tr-TR" smtClean="0"/>
-              <a:t>15.12.2019</a:t>
+              <a:t>16.12.2019</a:t>
             </a:fld>
             <a:endParaRPr lang="tr-TR"/>
           </a:p>
@@ -5049,9 +4955,67 @@
           <a:chExt cx="0" cy="0"/>
         </a:xfrm>
       </p:grpSpPr>
+      <p:sp>
+        <p:nvSpPr>
+          <p:cNvPr id="5" name="Rectangle 4"/>
+          <p:cNvSpPr/>
+          <p:nvPr/>
+        </p:nvSpPr>
+        <p:spPr>
+          <a:xfrm>
+            <a:off x="1261872" y="615351"/>
+            <a:ext cx="10106582" cy="1200329"/>
+          </a:xfrm>
+          <a:prstGeom prst="rect">
+            <a:avLst/>
+          </a:prstGeom>
+        </p:spPr>
+        <p:txBody>
+          <a:bodyPr wrap="square">
+            <a:spAutoFit/>
+          </a:bodyPr>
+          <a:lstStyle/>
+          <a:p>
+            <a:r>
+              <a:rPr lang="tr-TR" sz="3600" dirty="0">
+                <a:latin typeface="Arial" panose="020B0604020202020204" pitchFamily="34" charset="0"/>
+                <a:cs typeface="Arial" panose="020B0604020202020204" pitchFamily="34" charset="0"/>
+              </a:rPr>
+              <a:t>Ahmet Yılmaz</a:t>
+            </a:r>
+            <a:endParaRPr lang="tr-TR" dirty="0">
+              <a:latin typeface="Arial" panose="020B0604020202020204" pitchFamily="34" charset="0"/>
+              <a:cs typeface="Arial" panose="020B0604020202020204" pitchFamily="34" charset="0"/>
+            </a:endParaRPr>
+          </a:p>
+          <a:p>
+            <a:pPr marL="285750" indent="-285750">
+              <a:buFontTx/>
+              <a:buChar char="-"/>
+            </a:pPr>
+            <a:endParaRPr lang="tr-TR" dirty="0">
+              <a:latin typeface="Arial" panose="020B0604020202020204" pitchFamily="34" charset="0"/>
+              <a:cs typeface="Arial" panose="020B0604020202020204" pitchFamily="34" charset="0"/>
+            </a:endParaRPr>
+          </a:p>
+          <a:p>
+            <a:pPr marL="285750" indent="-285750">
+              <a:buFontTx/>
+              <a:buChar char="-"/>
+            </a:pPr>
+            <a:r>
+              <a:rPr lang="tr-TR" dirty="0">
+                <a:latin typeface="Arial" panose="020B0604020202020204" pitchFamily="34" charset="0"/>
+                <a:cs typeface="Arial" panose="020B0604020202020204" pitchFamily="34" charset="0"/>
+              </a:rPr>
+              <a:t>Asisst, Statistic, Stadium, and MatchDetails tables</a:t>
+            </a:r>
+          </a:p>
+        </p:txBody>
+      </p:sp>
       <p:pic>
         <p:nvPicPr>
-          <p:cNvPr id="3" name="Picture 2"/>
+          <p:cNvPr id="6" name="Picture 5"/>
           <p:cNvPicPr>
             <a:picLocks noChangeAspect="1"/>
           </p:cNvPicPr>
@@ -5071,67 +5035,48 @@
         </p:blipFill>
         <p:spPr>
           <a:xfrm>
-            <a:off x="1688122" y="573481"/>
-            <a:ext cx="9185031" cy="4381985"/>
+            <a:off x="2271613" y="2061864"/>
+            <a:ext cx="8087100" cy="4129933"/>
           </a:xfrm>
           <a:prstGeom prst="rect">
             <a:avLst/>
           </a:prstGeom>
         </p:spPr>
       </p:pic>
-      <p:sp>
-        <p:nvSpPr>
-          <p:cNvPr id="4" name="Rectangle 2">
+      <p:pic>
+        <p:nvPicPr>
+          <p:cNvPr id="7" name="Picture 6"/>
+          <p:cNvPicPr>
+            <a:picLocks noChangeAspect="1"/>
+          </p:cNvPicPr>
+          <p:nvPr/>
+        </p:nvPicPr>
+        <p:blipFill>
+          <a:blip r:embed="rId3">
             <a:extLst>
-              <a:ext uri="{FF2B5EF4-FFF2-40B4-BE49-F238E27FC236}">
-                <a16:creationId xmlns:a16="http://schemas.microsoft.com/office/drawing/2014/main" id="{1D3BD9C9-D189-4495-A115-495C11189A13}"/>
+              <a:ext uri="{28A0092B-C50C-407E-A947-70E740481C1C}">
+                <a14:useLocalDpi xmlns:a14="http://schemas.microsoft.com/office/drawing/2010/main" val="0"/>
               </a:ext>
             </a:extLst>
-          </p:cNvPr>
-          <p:cNvSpPr/>
-          <p:nvPr/>
-        </p:nvSpPr>
-        <p:spPr>
-          <a:xfrm>
-            <a:off x="2571010" y="5323482"/>
-            <a:ext cx="7553378" cy="923330"/>
-          </a:xfrm>
-          <a:prstGeom prst="rect">
-            <a:avLst/>
-          </a:prstGeom>
-        </p:spPr>
-        <p:txBody>
-          <a:bodyPr wrap="square">
-            <a:spAutoFit/>
-          </a:bodyPr>
-          <a:lstStyle/>
-          <a:p>
-            <a:r>
-              <a:rPr lang="en-US" dirty="0">
-                <a:latin typeface="Arial" panose="020B0604020202020204" pitchFamily="34" charset="0"/>
-                <a:cs typeface="Arial" panose="020B0604020202020204" pitchFamily="34" charset="0"/>
-              </a:rPr>
-              <a:t>The administrator can update the fixture which is selected in this page.</a:t>
-            </a:r>
-          </a:p>
-          <a:p>
-            <a:endParaRPr lang="en-US" dirty="0">
-              <a:latin typeface="Arial" panose="020B0604020202020204" pitchFamily="34" charset="0"/>
-              <a:cs typeface="Arial" panose="020B0604020202020204" pitchFamily="34" charset="0"/>
-            </a:endParaRPr>
-          </a:p>
-          <a:p>
-            <a:endParaRPr lang="en-US" dirty="0">
-              <a:latin typeface="Arial" panose="020B0604020202020204" pitchFamily="34" charset="0"/>
-              <a:cs typeface="Arial" panose="020B0604020202020204" pitchFamily="34" charset="0"/>
-            </a:endParaRPr>
-          </a:p>
-        </p:txBody>
-      </p:sp>
+          </a:blip>
+          <a:stretch>
+            <a:fillRect/>
+          </a:stretch>
+        </p:blipFill>
+        <p:spPr>
+          <a:xfrm>
+            <a:off x="11049000" y="77188"/>
+            <a:ext cx="1143000" cy="1076325"/>
+          </a:xfrm>
+          <a:prstGeom prst="rect">
+            <a:avLst/>
+          </a:prstGeom>
+        </p:spPr>
+      </p:pic>
     </p:spTree>
     <p:extLst>
       <p:ext uri="{BB962C8B-B14F-4D97-AF65-F5344CB8AC3E}">
-        <p14:creationId xmlns:p14="http://schemas.microsoft.com/office/powerpoint/2010/main" val="1092854421"/>
+        <p14:creationId xmlns:p14="http://schemas.microsoft.com/office/powerpoint/2010/main" val="2932894815"/>
       </p:ext>
     </p:extLst>
   </p:cSld>
@@ -5180,8 +5125,8 @@
         </p:blipFill>
         <p:spPr>
           <a:xfrm>
-            <a:off x="1591407" y="754517"/>
-            <a:ext cx="9492761" cy="4397492"/>
+            <a:off x="1362808" y="461988"/>
+            <a:ext cx="9862038" cy="4487069"/>
           </a:xfrm>
           <a:prstGeom prst="rect">
             <a:avLst/>
@@ -5190,40 +5135,33 @@
       </p:pic>
       <p:sp>
         <p:nvSpPr>
-          <p:cNvPr id="3" name="Rectangle 2">
-            <a:extLst>
-              <a:ext uri="{FF2B5EF4-FFF2-40B4-BE49-F238E27FC236}">
-                <a16:creationId xmlns:a16="http://schemas.microsoft.com/office/drawing/2014/main" id="{1AF01348-6126-4534-9307-BC9BA9D5A65C}"/>
-              </a:ext>
-            </a:extLst>
-          </p:cNvPr>
-          <p:cNvSpPr/>
-          <p:nvPr/>
-        </p:nvSpPr>
-        <p:spPr>
-          <a:xfrm>
-            <a:off x="3258965" y="5672461"/>
-            <a:ext cx="7378943" cy="646331"/>
-          </a:xfrm>
-          <a:prstGeom prst="rect">
-            <a:avLst/>
-          </a:prstGeom>
-        </p:spPr>
-        <p:txBody>
-          <a:bodyPr wrap="none">
+          <p:cNvPr id="3" name="TextBox 2"/>
+          <p:cNvSpPr txBox="1"/>
+          <p:nvPr/>
+        </p:nvSpPr>
+        <p:spPr>
+          <a:xfrm flipH="1">
+            <a:off x="1496448" y="5196253"/>
+            <a:ext cx="9634613" cy="923330"/>
+          </a:xfrm>
+          <a:prstGeom prst="rect">
+            <a:avLst/>
+          </a:prstGeom>
+          <a:noFill/>
+        </p:spPr>
+        <p:txBody>
+          <a:bodyPr wrap="square" rtlCol="0">
             <a:spAutoFit/>
           </a:bodyPr>
           <a:lstStyle/>
           <a:p>
             <a:r>
-              <a:rPr lang="en-US" dirty="0">
+              <a:rPr lang="en-US" i="1" dirty="0">
                 <a:latin typeface="Arial" panose="020B0604020202020204" pitchFamily="34" charset="0"/>
                 <a:cs typeface="Arial" panose="020B0604020202020204" pitchFamily="34" charset="0"/>
               </a:rPr>
-              <a:t>The administrator can update the fixture which is selected in this page.</a:t>
-            </a:r>
-          </a:p>
-          <a:p>
+              <a:t>After login the website, the developer guy can see the assists for all match by clicking ‘See All Assists’ button. The developer also can add, update and delete the assists by clicking the buttons.</a:t>
+            </a:r>
             <a:endParaRPr lang="en-US" dirty="0">
               <a:latin typeface="Arial" panose="020B0604020202020204" pitchFamily="34" charset="0"/>
               <a:cs typeface="Arial" panose="020B0604020202020204" pitchFamily="34" charset="0"/>
@@ -5234,7 +5172,7 @@
     </p:spTree>
     <p:extLst>
       <p:ext uri="{BB962C8B-B14F-4D97-AF65-F5344CB8AC3E}">
-        <p14:creationId xmlns:p14="http://schemas.microsoft.com/office/powerpoint/2010/main" val="1120588713"/>
+        <p14:creationId xmlns:p14="http://schemas.microsoft.com/office/powerpoint/2010/main" val="232047282"/>
       </p:ext>
     </p:extLst>
   </p:cSld>
@@ -5283,8 +5221,8 @@
         </p:blipFill>
         <p:spPr>
           <a:xfrm>
-            <a:off x="1538653" y="931708"/>
-            <a:ext cx="9483969" cy="3543239"/>
+            <a:off x="984739" y="1502194"/>
+            <a:ext cx="10196146" cy="1958056"/>
           </a:xfrm>
           <a:prstGeom prst="rect">
             <a:avLst/>
@@ -5293,45 +5231,32 @@
       </p:pic>
       <p:sp>
         <p:nvSpPr>
-          <p:cNvPr id="8" name="Rectangle 2">
-            <a:extLst>
-              <a:ext uri="{FF2B5EF4-FFF2-40B4-BE49-F238E27FC236}">
-                <a16:creationId xmlns:a16="http://schemas.microsoft.com/office/drawing/2014/main" id="{DBC1F3AE-6541-42FB-A047-71497FC9E4C3}"/>
-              </a:ext>
-            </a:extLst>
-          </p:cNvPr>
-          <p:cNvSpPr/>
-          <p:nvPr/>
-        </p:nvSpPr>
-        <p:spPr>
-          <a:xfrm>
-            <a:off x="1538653" y="5351950"/>
-            <a:ext cx="9483970" cy="646331"/>
-          </a:xfrm>
-          <a:prstGeom prst="rect">
-            <a:avLst/>
-          </a:prstGeom>
-        </p:spPr>
-        <p:txBody>
-          <a:bodyPr wrap="square">
+          <p:cNvPr id="3" name="TextBox 2"/>
+          <p:cNvSpPr txBox="1"/>
+          <p:nvPr/>
+        </p:nvSpPr>
+        <p:spPr>
+          <a:xfrm>
+            <a:off x="1099038" y="3903785"/>
+            <a:ext cx="9900139" cy="923330"/>
+          </a:xfrm>
+          <a:prstGeom prst="rect">
+            <a:avLst/>
+          </a:prstGeom>
+          <a:noFill/>
+        </p:spPr>
+        <p:txBody>
+          <a:bodyPr wrap="square" rtlCol="0">
             <a:spAutoFit/>
           </a:bodyPr>
           <a:lstStyle/>
           <a:p>
-            <a:pPr algn="ctr"/>
-            <a:r>
-              <a:rPr lang="en-US" dirty="0">
+            <a:r>
+              <a:rPr lang="en-US" i="1" dirty="0">
                 <a:latin typeface="Arial" panose="020B0604020202020204" pitchFamily="34" charset="0"/>
                 <a:cs typeface="Arial" panose="020B0604020202020204" pitchFamily="34" charset="0"/>
               </a:rPr>
-              <a:t>The administrator can update the team’s status in the standing table which is selected in this page</a:t>
-            </a:r>
-            <a:r>
-              <a:rPr lang="tr-TR" dirty="0">
-                <a:latin typeface="Arial" panose="020B0604020202020204" pitchFamily="34" charset="0"/>
-                <a:cs typeface="Arial" panose="020B0604020202020204" pitchFamily="34" charset="0"/>
-              </a:rPr>
-              <a:t>.</a:t>
+              <a:t>After login the website, the developer guy can see the statistic for all match by clicking ‘See All Statistics’ button. The developer also can add, update and delete the statistic by clicking the buttons.</a:t>
             </a:r>
             <a:endParaRPr lang="en-US" dirty="0">
               <a:latin typeface="Arial" panose="020B0604020202020204" pitchFamily="34" charset="0"/>
@@ -5343,7 +5268,7 @@
     </p:spTree>
     <p:extLst>
       <p:ext uri="{BB962C8B-B14F-4D97-AF65-F5344CB8AC3E}">
-        <p14:creationId xmlns:p14="http://schemas.microsoft.com/office/powerpoint/2010/main" val="2906194692"/>
+        <p14:creationId xmlns:p14="http://schemas.microsoft.com/office/powerpoint/2010/main" val="1871903422"/>
       </p:ext>
     </p:extLst>
   </p:cSld>
@@ -5370,67 +5295,9 @@
           <a:chExt cx="0" cy="0"/>
         </a:xfrm>
       </p:grpSpPr>
-      <p:sp>
-        <p:nvSpPr>
-          <p:cNvPr id="5" name="Rectangle 4"/>
-          <p:cNvSpPr/>
-          <p:nvPr/>
-        </p:nvSpPr>
-        <p:spPr>
-          <a:xfrm>
-            <a:off x="1261872" y="615351"/>
-            <a:ext cx="10106582" cy="1200329"/>
-          </a:xfrm>
-          <a:prstGeom prst="rect">
-            <a:avLst/>
-          </a:prstGeom>
-        </p:spPr>
-        <p:txBody>
-          <a:bodyPr wrap="square">
-            <a:spAutoFit/>
-          </a:bodyPr>
-          <a:lstStyle/>
-          <a:p>
-            <a:r>
-              <a:rPr lang="tr-TR" sz="3600" dirty="0">
-                <a:latin typeface="Arial" panose="020B0604020202020204" pitchFamily="34" charset="0"/>
-                <a:cs typeface="Arial" panose="020B0604020202020204" pitchFamily="34" charset="0"/>
-              </a:rPr>
-              <a:t>Ahmet Yılmaz</a:t>
-            </a:r>
-            <a:endParaRPr lang="tr-TR" dirty="0">
-              <a:latin typeface="Arial" panose="020B0604020202020204" pitchFamily="34" charset="0"/>
-              <a:cs typeface="Arial" panose="020B0604020202020204" pitchFamily="34" charset="0"/>
-            </a:endParaRPr>
-          </a:p>
-          <a:p>
-            <a:pPr marL="285750" indent="-285750">
-              <a:buFontTx/>
-              <a:buChar char="-"/>
-            </a:pPr>
-            <a:endParaRPr lang="tr-TR" dirty="0">
-              <a:latin typeface="Arial" panose="020B0604020202020204" pitchFamily="34" charset="0"/>
-              <a:cs typeface="Arial" panose="020B0604020202020204" pitchFamily="34" charset="0"/>
-            </a:endParaRPr>
-          </a:p>
-          <a:p>
-            <a:pPr marL="285750" indent="-285750">
-              <a:buFontTx/>
-              <a:buChar char="-"/>
-            </a:pPr>
-            <a:r>
-              <a:rPr lang="tr-TR" dirty="0">
-                <a:latin typeface="Arial" panose="020B0604020202020204" pitchFamily="34" charset="0"/>
-                <a:cs typeface="Arial" panose="020B0604020202020204" pitchFamily="34" charset="0"/>
-              </a:rPr>
-              <a:t>Asisst, Statistic, Stadium, and MatchDetails tables</a:t>
-            </a:r>
-          </a:p>
-        </p:txBody>
-      </p:sp>
       <p:pic>
         <p:nvPicPr>
-          <p:cNvPr id="6" name="Picture 5"/>
+          <p:cNvPr id="2" name="Picture 1"/>
           <p:cNvPicPr>
             <a:picLocks noChangeAspect="1"/>
           </p:cNvPicPr>
@@ -5450,48 +5317,55 @@
         </p:blipFill>
         <p:spPr>
           <a:xfrm>
-            <a:off x="2271613" y="2061864"/>
-            <a:ext cx="8087100" cy="4129933"/>
+            <a:off x="1107830" y="541118"/>
+            <a:ext cx="10626969" cy="4835100"/>
           </a:xfrm>
           <a:prstGeom prst="rect">
             <a:avLst/>
           </a:prstGeom>
         </p:spPr>
       </p:pic>
-      <p:pic>
-        <p:nvPicPr>
-          <p:cNvPr id="7" name="Picture 6"/>
-          <p:cNvPicPr>
-            <a:picLocks noChangeAspect="1"/>
-          </p:cNvPicPr>
-          <p:nvPr/>
-        </p:nvPicPr>
-        <p:blipFill>
-          <a:blip r:embed="rId3">
-            <a:extLst>
-              <a:ext uri="{28A0092B-C50C-407E-A947-70E740481C1C}">
-                <a14:useLocalDpi xmlns:a14="http://schemas.microsoft.com/office/drawing/2010/main" val="0"/>
-              </a:ext>
-            </a:extLst>
-          </a:blip>
-          <a:stretch>
-            <a:fillRect/>
-          </a:stretch>
-        </p:blipFill>
-        <p:spPr>
-          <a:xfrm>
-            <a:off x="11049000" y="77188"/>
-            <a:ext cx="1143000" cy="1076325"/>
-          </a:xfrm>
-          <a:prstGeom prst="rect">
-            <a:avLst/>
-          </a:prstGeom>
-        </p:spPr>
-      </p:pic>
+      <p:sp>
+        <p:nvSpPr>
+          <p:cNvPr id="3" name="TextBox 2"/>
+          <p:cNvSpPr txBox="1"/>
+          <p:nvPr/>
+        </p:nvSpPr>
+        <p:spPr>
+          <a:xfrm>
+            <a:off x="1213338" y="5697415"/>
+            <a:ext cx="10436470" cy="646331"/>
+          </a:xfrm>
+          <a:prstGeom prst="rect">
+            <a:avLst/>
+          </a:prstGeom>
+          <a:noFill/>
+        </p:spPr>
+        <p:txBody>
+          <a:bodyPr wrap="square" rtlCol="0">
+            <a:spAutoFit/>
+          </a:bodyPr>
+          <a:lstStyle/>
+          <a:p>
+            <a:r>
+              <a:rPr lang="en-US" i="1" dirty="0"/>
+              <a:t>After login the website, the developer guy can see the stadiums for all teams by clicking ‘See All Stadiums’ button. The developer also can add, update and delete the by clicking the buttons</a:t>
+            </a:r>
+            <a:r>
+              <a:rPr lang="en-US" i="1" dirty="0" smtClean="0"/>
+              <a:t>.</a:t>
+            </a:r>
+            <a:endParaRPr lang="en-US" dirty="0">
+              <a:latin typeface="Arial" panose="020B0604020202020204" pitchFamily="34" charset="0"/>
+              <a:cs typeface="Arial" panose="020B0604020202020204" pitchFamily="34" charset="0"/>
+            </a:endParaRPr>
+          </a:p>
+        </p:txBody>
+      </p:sp>
     </p:spTree>
     <p:extLst>
       <p:ext uri="{BB962C8B-B14F-4D97-AF65-F5344CB8AC3E}">
-        <p14:creationId xmlns:p14="http://schemas.microsoft.com/office/powerpoint/2010/main" val="2932894815"/>
+        <p14:creationId xmlns:p14="http://schemas.microsoft.com/office/powerpoint/2010/main" val="337781880"/>
       </p:ext>
     </p:extLst>
   </p:cSld>
@@ -5540,8 +5414,8 @@
         </p:blipFill>
         <p:spPr>
           <a:xfrm>
-            <a:off x="1362808" y="461988"/>
-            <a:ext cx="9862038" cy="4487069"/>
+            <a:off x="1099039" y="585080"/>
+            <a:ext cx="10371992" cy="4719090"/>
           </a:xfrm>
           <a:prstGeom prst="rect">
             <a:avLst/>
@@ -5555,9 +5429,9 @@
           <p:nvPr/>
         </p:nvSpPr>
         <p:spPr>
-          <a:xfrm flipH="1">
-            <a:off x="1496448" y="5196253"/>
-            <a:ext cx="9634613" cy="923330"/>
+          <a:xfrm>
+            <a:off x="1257300" y="5662246"/>
+            <a:ext cx="10093569" cy="369332"/>
           </a:xfrm>
           <a:prstGeom prst="rect">
             <a:avLst/>
@@ -5571,23 +5445,25 @@
           <a:lstStyle/>
           <a:p>
             <a:r>
-              <a:rPr lang="en-US" i="1" dirty="0">
-                <a:latin typeface="Arial" panose="020B0604020202020204" pitchFamily="34" charset="0"/>
-                <a:cs typeface="Arial" panose="020B0604020202020204" pitchFamily="34" charset="0"/>
-              </a:rPr>
-              <a:t>After login the website, the developer guy can see the assists for all match by clicking ‘See All Assists’ button. The developer also can add, update and delete the assists by clicking the buttons.</a:t>
-            </a:r>
-            <a:endParaRPr lang="en-US" dirty="0">
-              <a:latin typeface="Arial" panose="020B0604020202020204" pitchFamily="34" charset="0"/>
-              <a:cs typeface="Arial" panose="020B0604020202020204" pitchFamily="34" charset="0"/>
-            </a:endParaRPr>
+              <a:rPr lang="en-US" i="1" dirty="0"/>
+              <a:t>Assist </a:t>
+            </a:r>
+            <a:r>
+              <a:rPr lang="en-US" i="1" dirty="0" err="1"/>
+              <a:t>addding</a:t>
+            </a:r>
+            <a:r>
+              <a:rPr lang="en-US" i="1" dirty="0"/>
+              <a:t> page for developer.</a:t>
+            </a:r>
+            <a:endParaRPr lang="en-US" dirty="0"/>
           </a:p>
         </p:txBody>
       </p:sp>
     </p:spTree>
     <p:extLst>
       <p:ext uri="{BB962C8B-B14F-4D97-AF65-F5344CB8AC3E}">
-        <p14:creationId xmlns:p14="http://schemas.microsoft.com/office/powerpoint/2010/main" val="232047282"/>
+        <p14:creationId xmlns:p14="http://schemas.microsoft.com/office/powerpoint/2010/main" val="3168604435"/>
       </p:ext>
     </p:extLst>
   </p:cSld>
@@ -5880,8 +5756,8 @@
         </p:blipFill>
         <p:spPr>
           <a:xfrm>
-            <a:off x="984739" y="1502194"/>
-            <a:ext cx="10196146" cy="1958056"/>
+            <a:off x="1397976" y="725756"/>
+            <a:ext cx="10178562" cy="4631082"/>
           </a:xfrm>
           <a:prstGeom prst="rect">
             <a:avLst/>
@@ -5896,8 +5772,8 @@
         </p:nvSpPr>
         <p:spPr>
           <a:xfrm>
-            <a:off x="1099038" y="3903785"/>
-            <a:ext cx="9900139" cy="923330"/>
+            <a:off x="4404945" y="5688623"/>
+            <a:ext cx="4703886" cy="369332"/>
           </a:xfrm>
           <a:prstGeom prst="rect">
             <a:avLst/>
@@ -5911,11 +5787,8 @@
           <a:lstStyle/>
           <a:p>
             <a:r>
-              <a:rPr lang="en-US" i="1" dirty="0">
-                <a:latin typeface="Arial" panose="020B0604020202020204" pitchFamily="34" charset="0"/>
-                <a:cs typeface="Arial" panose="020B0604020202020204" pitchFamily="34" charset="0"/>
-              </a:rPr>
-              <a:t>After login the website, the developer guy can see the statistic for all match by clicking ‘See All Statistics’ button. The developer also can add, update and delete the statistic by clicking the buttons.</a:t>
+              <a:rPr lang="en-US" i="1"/>
+              <a:t>Stadium addding page for developer.</a:t>
             </a:r>
             <a:endParaRPr lang="en-US" dirty="0">
               <a:latin typeface="Arial" panose="020B0604020202020204" pitchFamily="34" charset="0"/>
@@ -5927,7 +5800,7 @@
     </p:spTree>
     <p:extLst>
       <p:ext uri="{BB962C8B-B14F-4D97-AF65-F5344CB8AC3E}">
-        <p14:creationId xmlns:p14="http://schemas.microsoft.com/office/powerpoint/2010/main" val="1871903422"/>
+        <p14:creationId xmlns:p14="http://schemas.microsoft.com/office/powerpoint/2010/main" val="4247016534"/>
       </p:ext>
     </p:extLst>
   </p:cSld>
@@ -5976,8 +5849,8 @@
         </p:blipFill>
         <p:spPr>
           <a:xfrm>
-            <a:off x="1107830" y="541118"/>
-            <a:ext cx="10626969" cy="4835100"/>
+            <a:off x="1213338" y="587782"/>
+            <a:ext cx="10292862" cy="4871515"/>
           </a:xfrm>
           <a:prstGeom prst="rect">
             <a:avLst/>
@@ -5992,8 +5865,8 @@
         </p:nvSpPr>
         <p:spPr>
           <a:xfrm>
-            <a:off x="1213338" y="5697415"/>
-            <a:ext cx="10436470" cy="646331"/>
+            <a:off x="4484076" y="5767754"/>
+            <a:ext cx="4264270" cy="369332"/>
           </a:xfrm>
           <a:prstGeom prst="rect">
             <a:avLst/>
@@ -6007,24 +5880,24 @@
           <a:lstStyle/>
           <a:p>
             <a:r>
-              <a:rPr lang="en-US" i="1" dirty="0"/>
-              <a:t>After login the website, the developer guy can see the stadiums for all teams by clicking ‘See All Stadiums’ button. The developer also can add, update and delete the by clicking the buttons</a:t>
-            </a:r>
-            <a:r>
-              <a:rPr lang="en-US" i="1" dirty="0" smtClean="0"/>
-              <a:t>.</a:t>
-            </a:r>
-            <a:endParaRPr lang="en-US" dirty="0">
-              <a:latin typeface="Arial" panose="020B0604020202020204" pitchFamily="34" charset="0"/>
-              <a:cs typeface="Arial" panose="020B0604020202020204" pitchFamily="34" charset="0"/>
-            </a:endParaRPr>
+              <a:rPr lang="en-US" dirty="0"/>
+              <a:t>Statistic </a:t>
+            </a:r>
+            <a:r>
+              <a:rPr lang="en-US" dirty="0" smtClean="0"/>
+              <a:t>adding </a:t>
+            </a:r>
+            <a:r>
+              <a:rPr lang="en-US" dirty="0"/>
+              <a:t>page for developer.</a:t>
+            </a:r>
           </a:p>
         </p:txBody>
       </p:sp>
     </p:spTree>
     <p:extLst>
       <p:ext uri="{BB962C8B-B14F-4D97-AF65-F5344CB8AC3E}">
-        <p14:creationId xmlns:p14="http://schemas.microsoft.com/office/powerpoint/2010/main" val="337781880"/>
+        <p14:creationId xmlns:p14="http://schemas.microsoft.com/office/powerpoint/2010/main" val="2467277104"/>
       </p:ext>
     </p:extLst>
   </p:cSld>
@@ -6073,8 +5946,8 @@
         </p:blipFill>
         <p:spPr>
           <a:xfrm>
-            <a:off x="1099039" y="585080"/>
-            <a:ext cx="10371992" cy="4719090"/>
+            <a:off x="1160585" y="554976"/>
+            <a:ext cx="10257692" cy="4791714"/>
           </a:xfrm>
           <a:prstGeom prst="rect">
             <a:avLst/>
@@ -6089,8 +5962,8 @@
         </p:nvSpPr>
         <p:spPr>
           <a:xfrm>
-            <a:off x="1257300" y="5662246"/>
-            <a:ext cx="10093569" cy="369332"/>
+            <a:off x="1934308" y="5547947"/>
+            <a:ext cx="9346223" cy="369332"/>
           </a:xfrm>
           <a:prstGeom prst="rect">
             <a:avLst/>
@@ -6105,24 +5978,19 @@
           <a:p>
             <a:r>
               <a:rPr lang="en-US" i="1" dirty="0"/>
-              <a:t>Assist </a:t>
-            </a:r>
-            <a:r>
-              <a:rPr lang="en-US" i="1" dirty="0" err="1"/>
-              <a:t>addding</a:t>
-            </a:r>
-            <a:r>
-              <a:rPr lang="en-US" i="1" dirty="0"/>
-              <a:t> page for developer.</a:t>
-            </a:r>
-            <a:endParaRPr lang="en-US" dirty="0"/>
+              <a:t>The user can see all stadium of teams by clicking the ‘See All Stadiums’ button.</a:t>
+            </a:r>
+            <a:endParaRPr lang="en-US" dirty="0">
+              <a:latin typeface="Arial" panose="020B0604020202020204" pitchFamily="34" charset="0"/>
+              <a:cs typeface="Arial" panose="020B0604020202020204" pitchFamily="34" charset="0"/>
+            </a:endParaRPr>
           </a:p>
         </p:txBody>
       </p:sp>
     </p:spTree>
     <p:extLst>
       <p:ext uri="{BB962C8B-B14F-4D97-AF65-F5344CB8AC3E}">
-        <p14:creationId xmlns:p14="http://schemas.microsoft.com/office/powerpoint/2010/main" val="3168604435"/>
+        <p14:creationId xmlns:p14="http://schemas.microsoft.com/office/powerpoint/2010/main" val="3257591739"/>
       </p:ext>
     </p:extLst>
   </p:cSld>
@@ -6158,7 +6026,7 @@
           <p:nvPr/>
         </p:nvPicPr>
         <p:blipFill>
-          <a:blip r:embed="rId3">
+          <a:blip r:embed="rId2">
             <a:extLst>
               <a:ext uri="{28A0092B-C50C-407E-A947-70E740481C1C}">
                 <a14:useLocalDpi xmlns:a14="http://schemas.microsoft.com/office/drawing/2010/main" val="0"/>
@@ -6171,8 +6039,8 @@
         </p:blipFill>
         <p:spPr>
           <a:xfrm>
-            <a:off x="1283675" y="673002"/>
-            <a:ext cx="10308729" cy="4690306"/>
+            <a:off x="1046284" y="1452083"/>
+            <a:ext cx="10284069" cy="1095344"/>
           </a:xfrm>
           <a:prstGeom prst="rect">
             <a:avLst/>
@@ -6187,8 +6055,8 @@
         </p:nvSpPr>
         <p:spPr>
           <a:xfrm>
-            <a:off x="1283675" y="5723792"/>
-            <a:ext cx="10225456" cy="369332"/>
+            <a:off x="2101361" y="2892670"/>
+            <a:ext cx="8774723" cy="369332"/>
           </a:xfrm>
           <a:prstGeom prst="rect">
             <a:avLst/>
@@ -6206,7 +6074,7 @@
                 <a:latin typeface="Arial" panose="020B0604020202020204" pitchFamily="34" charset="0"/>
                 <a:cs typeface="Arial" panose="020B0604020202020204" pitchFamily="34" charset="0"/>
               </a:rPr>
-              <a:t>To update an assist data, developer can use the this page after click update button.</a:t>
+              <a:t>The user can see statistic of a match by clicking match details on the fixture page.</a:t>
             </a:r>
             <a:endParaRPr lang="en-US" dirty="0">
               <a:latin typeface="Arial" panose="020B0604020202020204" pitchFamily="34" charset="0"/>
@@ -6218,7 +6086,7 @@
     </p:spTree>
     <p:extLst>
       <p:ext uri="{BB962C8B-B14F-4D97-AF65-F5344CB8AC3E}">
-        <p14:creationId xmlns:p14="http://schemas.microsoft.com/office/powerpoint/2010/main" val="1158024139"/>
+        <p14:creationId xmlns:p14="http://schemas.microsoft.com/office/powerpoint/2010/main" val="3264378871"/>
       </p:ext>
     </p:extLst>
   </p:cSld>
@@ -6267,8 +6135,8 @@
         </p:blipFill>
         <p:spPr>
           <a:xfrm>
-            <a:off x="1397976" y="725756"/>
-            <a:ext cx="10178562" cy="4631082"/>
+            <a:off x="1116622" y="657685"/>
+            <a:ext cx="10468708" cy="4276030"/>
           </a:xfrm>
           <a:prstGeom prst="rect">
             <a:avLst/>
@@ -6283,8 +6151,8 @@
         </p:nvSpPr>
         <p:spPr>
           <a:xfrm>
-            <a:off x="4404945" y="5688623"/>
-            <a:ext cx="4703886" cy="369332"/>
+            <a:off x="1995854" y="5196255"/>
+            <a:ext cx="9979269" cy="369277"/>
           </a:xfrm>
           <a:prstGeom prst="rect">
             <a:avLst/>
@@ -6298,8 +6166,11 @@
           <a:lstStyle/>
           <a:p>
             <a:r>
-              <a:rPr lang="en-US" i="1"/>
-              <a:t>Stadium addding page for developer.</a:t>
+              <a:rPr lang="en-US" i="1" dirty="0">
+                <a:latin typeface="Arial" panose="020B0604020202020204" pitchFamily="34" charset="0"/>
+                <a:cs typeface="Arial" panose="020B0604020202020204" pitchFamily="34" charset="0"/>
+              </a:rPr>
+              <a:t>The user can see top assist player in this page by clicking the ‘See Top Assists’ button.</a:t>
             </a:r>
             <a:endParaRPr lang="en-US" dirty="0">
               <a:latin typeface="Arial" panose="020B0604020202020204" pitchFamily="34" charset="0"/>
@@ -6311,7 +6182,7 @@
     </p:spTree>
     <p:extLst>
       <p:ext uri="{BB962C8B-B14F-4D97-AF65-F5344CB8AC3E}">
-        <p14:creationId xmlns:p14="http://schemas.microsoft.com/office/powerpoint/2010/main" val="4247016534"/>
+        <p14:creationId xmlns:p14="http://schemas.microsoft.com/office/powerpoint/2010/main" val="1884311858"/>
       </p:ext>
     </p:extLst>
   </p:cSld>
@@ -6360,8 +6231,8 @@
         </p:blipFill>
         <p:spPr>
           <a:xfrm>
-            <a:off x="1327637" y="620248"/>
-            <a:ext cx="10002715" cy="4551075"/>
+            <a:off x="1195753" y="587316"/>
+            <a:ext cx="10284069" cy="4764309"/>
           </a:xfrm>
           <a:prstGeom prst="rect">
             <a:avLst/>
@@ -6376,8 +6247,8 @@
         </p:nvSpPr>
         <p:spPr>
           <a:xfrm>
-            <a:off x="1503485" y="5530362"/>
-            <a:ext cx="9583615" cy="369332"/>
+            <a:off x="1195752" y="5715000"/>
+            <a:ext cx="10190285" cy="646331"/>
           </a:xfrm>
           <a:prstGeom prst="rect">
             <a:avLst/>
@@ -6395,7 +6266,49 @@
                 <a:latin typeface="Arial" panose="020B0604020202020204" pitchFamily="34" charset="0"/>
                 <a:cs typeface="Arial" panose="020B0604020202020204" pitchFamily="34" charset="0"/>
               </a:rPr>
-              <a:t>To update a stadium data, developer can use the this page after click update button.</a:t>
+              <a:t>After login the website, the developer guy can see the </a:t>
+            </a:r>
+            <a:r>
+              <a:rPr lang="tr-TR" i="1" dirty="0" smtClean="0">
+                <a:latin typeface="Arial" panose="020B0604020202020204" pitchFamily="34" charset="0"/>
+                <a:cs typeface="Arial" panose="020B0604020202020204" pitchFamily="34" charset="0"/>
+              </a:rPr>
+              <a:t>details</a:t>
+            </a:r>
+            <a:r>
+              <a:rPr lang="en-US" i="1" dirty="0" smtClean="0">
+                <a:latin typeface="Arial" panose="020B0604020202020204" pitchFamily="34" charset="0"/>
+                <a:cs typeface="Arial" panose="020B0604020202020204" pitchFamily="34" charset="0"/>
+              </a:rPr>
+              <a:t> </a:t>
+            </a:r>
+            <a:r>
+              <a:rPr lang="en-US" i="1" dirty="0">
+                <a:latin typeface="Arial" panose="020B0604020202020204" pitchFamily="34" charset="0"/>
+                <a:cs typeface="Arial" panose="020B0604020202020204" pitchFamily="34" charset="0"/>
+              </a:rPr>
+              <a:t>for all teams by clicking ‘See All </a:t>
+            </a:r>
+            <a:r>
+              <a:rPr lang="tr-TR" i="1" dirty="0" smtClean="0">
+                <a:latin typeface="Arial" panose="020B0604020202020204" pitchFamily="34" charset="0"/>
+                <a:cs typeface="Arial" panose="020B0604020202020204" pitchFamily="34" charset="0"/>
+              </a:rPr>
+              <a:t>Details</a:t>
+            </a:r>
+            <a:r>
+              <a:rPr lang="en-US" i="1" dirty="0" smtClean="0">
+                <a:latin typeface="Arial" panose="020B0604020202020204" pitchFamily="34" charset="0"/>
+                <a:cs typeface="Arial" panose="020B0604020202020204" pitchFamily="34" charset="0"/>
+              </a:rPr>
+              <a:t>’ </a:t>
+            </a:r>
+            <a:r>
+              <a:rPr lang="en-US" i="1" dirty="0">
+                <a:latin typeface="Arial" panose="020B0604020202020204" pitchFamily="34" charset="0"/>
+                <a:cs typeface="Arial" panose="020B0604020202020204" pitchFamily="34" charset="0"/>
+              </a:rPr>
+              <a:t>button. The developer also can add, update and delete the by clicking the buttons.</a:t>
             </a:r>
             <a:endParaRPr lang="en-US" dirty="0">
               <a:latin typeface="Arial" panose="020B0604020202020204" pitchFamily="34" charset="0"/>
@@ -6407,7 +6320,7 @@
     </p:spTree>
     <p:extLst>
       <p:ext uri="{BB962C8B-B14F-4D97-AF65-F5344CB8AC3E}">
-        <p14:creationId xmlns:p14="http://schemas.microsoft.com/office/powerpoint/2010/main" val="3616000317"/>
+        <p14:creationId xmlns:p14="http://schemas.microsoft.com/office/powerpoint/2010/main" val="906131323"/>
       </p:ext>
     </p:extLst>
   </p:cSld>
@@ -6456,8 +6369,8 @@
         </p:blipFill>
         <p:spPr>
           <a:xfrm>
-            <a:off x="1213338" y="587782"/>
-            <a:ext cx="10292862" cy="4871515"/>
+            <a:off x="1055076" y="864451"/>
+            <a:ext cx="10398369" cy="4359530"/>
           </a:xfrm>
           <a:prstGeom prst="rect">
             <a:avLst/>
@@ -6472,8 +6385,8 @@
         </p:nvSpPr>
         <p:spPr>
           <a:xfrm>
-            <a:off x="4484076" y="5767754"/>
-            <a:ext cx="4264270" cy="369332"/>
+            <a:off x="4088422" y="5662246"/>
+            <a:ext cx="4185139" cy="369332"/>
           </a:xfrm>
           <a:prstGeom prst="rect">
             <a:avLst/>
@@ -6487,24 +6400,37 @@
           <a:lstStyle/>
           <a:p>
             <a:r>
-              <a:rPr lang="en-US" dirty="0"/>
-              <a:t>Statistic </a:t>
-            </a:r>
-            <a:r>
-              <a:rPr lang="en-US" dirty="0" smtClean="0"/>
+              <a:rPr lang="en-US" i="1" dirty="0">
+                <a:latin typeface="Arial" panose="020B0604020202020204" pitchFamily="34" charset="0"/>
+                <a:cs typeface="Arial" panose="020B0604020202020204" pitchFamily="34" charset="0"/>
+              </a:rPr>
+              <a:t>Stadium </a:t>
+            </a:r>
+            <a:r>
+              <a:rPr lang="en-US" i="1" dirty="0" smtClean="0">
+                <a:latin typeface="Arial" panose="020B0604020202020204" pitchFamily="34" charset="0"/>
+                <a:cs typeface="Arial" panose="020B0604020202020204" pitchFamily="34" charset="0"/>
+              </a:rPr>
               <a:t>adding </a:t>
             </a:r>
             <a:r>
-              <a:rPr lang="en-US" dirty="0"/>
+              <a:rPr lang="en-US" i="1" dirty="0">
+                <a:latin typeface="Arial" panose="020B0604020202020204" pitchFamily="34" charset="0"/>
+                <a:cs typeface="Arial" panose="020B0604020202020204" pitchFamily="34" charset="0"/>
+              </a:rPr>
               <a:t>page for developer.</a:t>
             </a:r>
+            <a:endParaRPr lang="en-US" dirty="0">
+              <a:latin typeface="Arial" panose="020B0604020202020204" pitchFamily="34" charset="0"/>
+              <a:cs typeface="Arial" panose="020B0604020202020204" pitchFamily="34" charset="0"/>
+            </a:endParaRPr>
           </a:p>
         </p:txBody>
       </p:sp>
     </p:spTree>
     <p:extLst>
       <p:ext uri="{BB962C8B-B14F-4D97-AF65-F5344CB8AC3E}">
-        <p14:creationId xmlns:p14="http://schemas.microsoft.com/office/powerpoint/2010/main" val="2467277104"/>
+        <p14:creationId xmlns:p14="http://schemas.microsoft.com/office/powerpoint/2010/main" val="1440680310"/>
       </p:ext>
     </p:extLst>
   </p:cSld>
@@ -6531,9 +6457,65 @@
           <a:chExt cx="0" cy="0"/>
         </a:xfrm>
       </p:grpSpPr>
+      <p:sp>
+        <p:nvSpPr>
+          <p:cNvPr id="5" name="Rectangle 4"/>
+          <p:cNvSpPr/>
+          <p:nvPr/>
+        </p:nvSpPr>
+        <p:spPr>
+          <a:xfrm>
+            <a:off x="1261872" y="615351"/>
+            <a:ext cx="10106582" cy="1477328"/>
+          </a:xfrm>
+          <a:prstGeom prst="rect">
+            <a:avLst/>
+          </a:prstGeom>
+        </p:spPr>
+        <p:txBody>
+          <a:bodyPr wrap="square">
+            <a:spAutoFit/>
+          </a:bodyPr>
+          <a:lstStyle/>
+          <a:p>
+            <a:r>
+              <a:rPr lang="tr-TR" sz="3600" dirty="0">
+                <a:latin typeface="Arial" panose="020B0604020202020204" pitchFamily="34" charset="0"/>
+                <a:cs typeface="Arial" panose="020B0604020202020204" pitchFamily="34" charset="0"/>
+              </a:rPr>
+              <a:t>Muhammed Enes Tırnakçı</a:t>
+            </a:r>
+          </a:p>
+          <a:p>
+            <a:endParaRPr lang="tr-TR" dirty="0">
+              <a:latin typeface="Arial" panose="020B0604020202020204" pitchFamily="34" charset="0"/>
+              <a:cs typeface="Arial" panose="020B0604020202020204" pitchFamily="34" charset="0"/>
+            </a:endParaRPr>
+          </a:p>
+          <a:p>
+            <a:r>
+              <a:rPr lang="tr-TR" dirty="0">
+                <a:latin typeface="Arial" panose="020B0604020202020204" pitchFamily="34" charset="0"/>
+                <a:cs typeface="Arial" panose="020B0604020202020204" pitchFamily="34" charset="0"/>
+              </a:rPr>
+              <a:t>- Teams, player, manager, and goal tables</a:t>
+            </a:r>
+          </a:p>
+          <a:p>
+            <a:pPr marL="285750" indent="-285750">
+              <a:buFontTx/>
+              <a:buChar char="-"/>
+            </a:pPr>
+            <a:endParaRPr lang="tr-TR" dirty="0">
+              <a:latin typeface="Arial" panose="020B0604020202020204" pitchFamily="34" charset="0"/>
+              <a:cs typeface="Arial" panose="020B0604020202020204" pitchFamily="34" charset="0"/>
+            </a:endParaRPr>
+          </a:p>
+        </p:txBody>
+      </p:sp>
       <p:pic>
         <p:nvPicPr>
-          <p:cNvPr id="2" name="Picture 1"/>
+          <p:cNvPr id="4" name="Picture 3"/>
           <p:cNvPicPr>
             <a:picLocks noChangeAspect="1"/>
           </p:cNvPicPr>
@@ -6553,54 +6535,48 @@
         </p:blipFill>
         <p:spPr>
           <a:xfrm>
-            <a:off x="1055077" y="606417"/>
-            <a:ext cx="10407162" cy="4803736"/>
+            <a:off x="2554092" y="2400329"/>
+            <a:ext cx="7522142" cy="4006268"/>
           </a:xfrm>
           <a:prstGeom prst="rect">
             <a:avLst/>
           </a:prstGeom>
         </p:spPr>
       </p:pic>
-      <p:sp>
-        <p:nvSpPr>
-          <p:cNvPr id="3" name="TextBox 2"/>
-          <p:cNvSpPr txBox="1"/>
-          <p:nvPr/>
-        </p:nvSpPr>
-        <p:spPr>
-          <a:xfrm>
-            <a:off x="3209192" y="5732585"/>
-            <a:ext cx="6664569" cy="369332"/>
-          </a:xfrm>
-          <a:prstGeom prst="rect">
-            <a:avLst/>
-          </a:prstGeom>
-          <a:noFill/>
-        </p:spPr>
-        <p:txBody>
-          <a:bodyPr wrap="square" rtlCol="0">
-            <a:spAutoFit/>
-          </a:bodyPr>
-          <a:lstStyle/>
-          <a:p>
-            <a:r>
-              <a:rPr lang="en-US" i="1" dirty="0">
-                <a:latin typeface="Arial" panose="020B0604020202020204" pitchFamily="34" charset="0"/>
-                <a:cs typeface="Arial" panose="020B0604020202020204" pitchFamily="34" charset="0"/>
-              </a:rPr>
-              <a:t>To update a statistic data, developer can use the this page.</a:t>
-            </a:r>
-            <a:endParaRPr lang="en-US" dirty="0">
-              <a:latin typeface="Arial" panose="020B0604020202020204" pitchFamily="34" charset="0"/>
-              <a:cs typeface="Arial" panose="020B0604020202020204" pitchFamily="34" charset="0"/>
-            </a:endParaRPr>
-          </a:p>
-        </p:txBody>
-      </p:sp>
+      <p:pic>
+        <p:nvPicPr>
+          <p:cNvPr id="6" name="Picture 5"/>
+          <p:cNvPicPr>
+            <a:picLocks noChangeAspect="1"/>
+          </p:cNvPicPr>
+          <p:nvPr/>
+        </p:nvPicPr>
+        <p:blipFill>
+          <a:blip r:embed="rId3">
+            <a:extLst>
+              <a:ext uri="{28A0092B-C50C-407E-A947-70E740481C1C}">
+                <a14:useLocalDpi xmlns:a14="http://schemas.microsoft.com/office/drawing/2010/main" val="0"/>
+              </a:ext>
+            </a:extLst>
+          </a:blip>
+          <a:stretch>
+            <a:fillRect/>
+          </a:stretch>
+        </p:blipFill>
+        <p:spPr>
+          <a:xfrm>
+            <a:off x="11049000" y="0"/>
+            <a:ext cx="1143000" cy="1076325"/>
+          </a:xfrm>
+          <a:prstGeom prst="rect">
+            <a:avLst/>
+          </a:prstGeom>
+        </p:spPr>
+      </p:pic>
     </p:spTree>
     <p:extLst>
       <p:ext uri="{BB962C8B-B14F-4D97-AF65-F5344CB8AC3E}">
-        <p14:creationId xmlns:p14="http://schemas.microsoft.com/office/powerpoint/2010/main" val="246399903"/>
+        <p14:creationId xmlns:p14="http://schemas.microsoft.com/office/powerpoint/2010/main" val="219396799"/>
       </p:ext>
     </p:extLst>
   </p:cSld>
@@ -6629,7 +6605,7 @@
       </p:grpSpPr>
       <p:pic>
         <p:nvPicPr>
-          <p:cNvPr id="2" name="Picture 1"/>
+          <p:cNvPr id="6" name="Picture 5"/>
           <p:cNvPicPr>
             <a:picLocks noChangeAspect="1"/>
           </p:cNvPicPr>
@@ -6649,8 +6625,8 @@
         </p:blipFill>
         <p:spPr>
           <a:xfrm>
-            <a:off x="1160585" y="554976"/>
-            <a:ext cx="10257692" cy="4791714"/>
+            <a:off x="1010766" y="2056114"/>
+            <a:ext cx="10240804" cy="2657846"/>
           </a:xfrm>
           <a:prstGeom prst="rect">
             <a:avLst/>
@@ -6659,41 +6635,39 @@
       </p:pic>
       <p:sp>
         <p:nvSpPr>
-          <p:cNvPr id="3" name="TextBox 2"/>
-          <p:cNvSpPr txBox="1"/>
-          <p:nvPr/>
-        </p:nvSpPr>
-        <p:spPr>
-          <a:xfrm>
-            <a:off x="1934308" y="5547947"/>
-            <a:ext cx="9346223" cy="369332"/>
-          </a:xfrm>
-          <a:prstGeom prst="rect">
-            <a:avLst/>
-          </a:prstGeom>
-          <a:noFill/>
-        </p:spPr>
-        <p:txBody>
-          <a:bodyPr wrap="square" rtlCol="0">
+          <p:cNvPr id="2" name="Rectangle 1"/>
+          <p:cNvSpPr/>
+          <p:nvPr/>
+        </p:nvSpPr>
+        <p:spPr>
+          <a:xfrm>
+            <a:off x="5364484" y="1274857"/>
+            <a:ext cx="1533368" cy="523220"/>
+          </a:xfrm>
+          <a:prstGeom prst="rect">
+            <a:avLst/>
+          </a:prstGeom>
+        </p:spPr>
+        <p:txBody>
+          <a:bodyPr wrap="none">
             <a:spAutoFit/>
           </a:bodyPr>
           <a:lstStyle/>
           <a:p>
             <a:r>
-              <a:rPr lang="en-US" i="1" dirty="0"/>
-              <a:t>The user can see all stadium of teams by clicking the ‘See All Stadiums’ button.</a:t>
-            </a:r>
-            <a:endParaRPr lang="en-US" dirty="0">
-              <a:latin typeface="Arial" panose="020B0604020202020204" pitchFamily="34" charset="0"/>
-              <a:cs typeface="Arial" panose="020B0604020202020204" pitchFamily="34" charset="0"/>
-            </a:endParaRPr>
+              <a:rPr lang="tr-TR" sz="2800" dirty="0">
+                <a:latin typeface="Arial" panose="020B0604020202020204" pitchFamily="34" charset="0"/>
+                <a:cs typeface="Arial" panose="020B0604020202020204" pitchFamily="34" charset="0"/>
+              </a:rPr>
+              <a:t>TABLES</a:t>
+            </a:r>
           </a:p>
         </p:txBody>
       </p:sp>
     </p:spTree>
     <p:extLst>
       <p:ext uri="{BB962C8B-B14F-4D97-AF65-F5344CB8AC3E}">
-        <p14:creationId xmlns:p14="http://schemas.microsoft.com/office/powerpoint/2010/main" val="3257591739"/>
+        <p14:creationId xmlns:p14="http://schemas.microsoft.com/office/powerpoint/2010/main" val="564694117"/>
       </p:ext>
     </p:extLst>
   </p:cSld>
@@ -6742,8 +6716,8 @@
         </p:blipFill>
         <p:spPr>
           <a:xfrm>
-            <a:off x="1046284" y="1452083"/>
-            <a:ext cx="10284069" cy="1095344"/>
+            <a:off x="465994" y="172421"/>
+            <a:ext cx="11726006" cy="5300204"/>
           </a:xfrm>
           <a:prstGeom prst="rect">
             <a:avLst/>
@@ -6752,44 +6726,39 @@
       </p:pic>
       <p:sp>
         <p:nvSpPr>
-          <p:cNvPr id="3" name="TextBox 2"/>
-          <p:cNvSpPr txBox="1"/>
-          <p:nvPr/>
-        </p:nvSpPr>
-        <p:spPr>
-          <a:xfrm>
-            <a:off x="2101361" y="2892670"/>
-            <a:ext cx="8774723" cy="369332"/>
-          </a:xfrm>
-          <a:prstGeom prst="rect">
-            <a:avLst/>
-          </a:prstGeom>
-          <a:noFill/>
-        </p:spPr>
-        <p:txBody>
-          <a:bodyPr wrap="square" rtlCol="0">
+          <p:cNvPr id="3" name="Rectangle 2"/>
+          <p:cNvSpPr/>
+          <p:nvPr/>
+        </p:nvSpPr>
+        <p:spPr>
+          <a:xfrm>
+            <a:off x="3280997" y="5657781"/>
+            <a:ext cx="6096000" cy="923330"/>
+          </a:xfrm>
+          <a:prstGeom prst="rect">
+            <a:avLst/>
+          </a:prstGeom>
+        </p:spPr>
+        <p:txBody>
+          <a:bodyPr>
             <a:spAutoFit/>
           </a:bodyPr>
           <a:lstStyle/>
           <a:p>
             <a:r>
-              <a:rPr lang="en-US" i="1" dirty="0">
+              <a:rPr lang="tr-TR" dirty="0">
                 <a:latin typeface="Arial" panose="020B0604020202020204" pitchFamily="34" charset="0"/>
                 <a:cs typeface="Arial" panose="020B0604020202020204" pitchFamily="34" charset="0"/>
               </a:rPr>
-              <a:t>The user can see statistic of a match by clicking match details on the fixture page.</a:t>
-            </a:r>
-            <a:endParaRPr lang="en-US" dirty="0">
-              <a:latin typeface="Arial" panose="020B0604020202020204" pitchFamily="34" charset="0"/>
-              <a:cs typeface="Arial" panose="020B0604020202020204" pitchFamily="34" charset="0"/>
-            </a:endParaRPr>
+              <a:t>After logging in, the developer can see all goals in this page by clicking the ‘See All Goals’ button. Developer can delete and update the goals.</a:t>
+            </a:r>
           </a:p>
         </p:txBody>
       </p:sp>
     </p:spTree>
     <p:extLst>
       <p:ext uri="{BB962C8B-B14F-4D97-AF65-F5344CB8AC3E}">
-        <p14:creationId xmlns:p14="http://schemas.microsoft.com/office/powerpoint/2010/main" val="3264378871"/>
+        <p14:creationId xmlns:p14="http://schemas.microsoft.com/office/powerpoint/2010/main" val="2747228822"/>
       </p:ext>
     </p:extLst>
   </p:cSld>
@@ -6974,8 +6943,8 @@
         </p:blipFill>
         <p:spPr>
           <a:xfrm>
-            <a:off x="1116622" y="657685"/>
-            <a:ext cx="10468708" cy="4276030"/>
+            <a:off x="457200" y="167054"/>
+            <a:ext cx="11734800" cy="5914489"/>
           </a:xfrm>
           <a:prstGeom prst="rect">
             <a:avLst/>
@@ -6984,44 +6953,39 @@
       </p:pic>
       <p:sp>
         <p:nvSpPr>
-          <p:cNvPr id="3" name="TextBox 2"/>
-          <p:cNvSpPr txBox="1"/>
-          <p:nvPr/>
-        </p:nvSpPr>
-        <p:spPr>
-          <a:xfrm>
-            <a:off x="1995854" y="5196255"/>
-            <a:ext cx="9979269" cy="369277"/>
-          </a:xfrm>
-          <a:prstGeom prst="rect">
-            <a:avLst/>
-          </a:prstGeom>
-          <a:noFill/>
-        </p:spPr>
-        <p:txBody>
-          <a:bodyPr wrap="square" rtlCol="0">
+          <p:cNvPr id="4" name="Rectangle 3"/>
+          <p:cNvSpPr/>
+          <p:nvPr/>
+        </p:nvSpPr>
+        <p:spPr>
+          <a:xfrm>
+            <a:off x="3179884" y="6081543"/>
+            <a:ext cx="6096000" cy="646331"/>
+          </a:xfrm>
+          <a:prstGeom prst="rect">
+            <a:avLst/>
+          </a:prstGeom>
+        </p:spPr>
+        <p:txBody>
+          <a:bodyPr>
             <a:spAutoFit/>
           </a:bodyPr>
           <a:lstStyle/>
           <a:p>
             <a:r>
-              <a:rPr lang="en-US" i="1" dirty="0">
+              <a:rPr lang="tr-TR" dirty="0">
                 <a:latin typeface="Arial" panose="020B0604020202020204" pitchFamily="34" charset="0"/>
                 <a:cs typeface="Arial" panose="020B0604020202020204" pitchFamily="34" charset="0"/>
               </a:rPr>
-              <a:t>The user can see top assist player in this page by clicking the ‘See Top Assists’ button.</a:t>
-            </a:r>
-            <a:endParaRPr lang="en-US" dirty="0">
-              <a:latin typeface="Arial" panose="020B0604020202020204" pitchFamily="34" charset="0"/>
-              <a:cs typeface="Arial" panose="020B0604020202020204" pitchFamily="34" charset="0"/>
-            </a:endParaRPr>
+              <a:t>The user can see all managers in this page by clicking the ‘See All Managers’ button.</a:t>
+            </a:r>
           </a:p>
         </p:txBody>
       </p:sp>
     </p:spTree>
     <p:extLst>
       <p:ext uri="{BB962C8B-B14F-4D97-AF65-F5344CB8AC3E}">
-        <p14:creationId xmlns:p14="http://schemas.microsoft.com/office/powerpoint/2010/main" val="1884311858"/>
+        <p14:creationId xmlns:p14="http://schemas.microsoft.com/office/powerpoint/2010/main" val="581522566"/>
       </p:ext>
     </p:extLst>
   </p:cSld>
@@ -7070,8 +7034,8 @@
         </p:blipFill>
         <p:spPr>
           <a:xfrm>
-            <a:off x="1195753" y="587316"/>
-            <a:ext cx="10284069" cy="4764309"/>
+            <a:off x="1440171" y="542242"/>
+            <a:ext cx="9593014" cy="4525006"/>
           </a:xfrm>
           <a:prstGeom prst="rect">
             <a:avLst/>
@@ -7080,86 +7044,48 @@
       </p:pic>
       <p:sp>
         <p:nvSpPr>
-          <p:cNvPr id="3" name="TextBox 2"/>
-          <p:cNvSpPr txBox="1"/>
-          <p:nvPr/>
-        </p:nvSpPr>
-        <p:spPr>
-          <a:xfrm>
-            <a:off x="1195752" y="5715000"/>
-            <a:ext cx="10190285" cy="646331"/>
-          </a:xfrm>
-          <a:prstGeom prst="rect">
-            <a:avLst/>
-          </a:prstGeom>
-          <a:noFill/>
-        </p:spPr>
-        <p:txBody>
-          <a:bodyPr wrap="square" rtlCol="0">
+          <p:cNvPr id="3" name="Rectangle 2"/>
+          <p:cNvSpPr/>
+          <p:nvPr/>
+        </p:nvSpPr>
+        <p:spPr>
+          <a:xfrm>
+            <a:off x="1440171" y="5389658"/>
+            <a:ext cx="9191940" cy="646331"/>
+          </a:xfrm>
+          <a:prstGeom prst="rect">
+            <a:avLst/>
+          </a:prstGeom>
+        </p:spPr>
+        <p:txBody>
+          <a:bodyPr wrap="none">
             <a:spAutoFit/>
           </a:bodyPr>
           <a:lstStyle/>
           <a:p>
             <a:r>
-              <a:rPr lang="en-US" i="1" dirty="0">
+              <a:rPr lang="tr-TR" dirty="0">
                 <a:latin typeface="Arial" panose="020B0604020202020204" pitchFamily="34" charset="0"/>
                 <a:cs typeface="Arial" panose="020B0604020202020204" pitchFamily="34" charset="0"/>
               </a:rPr>
-              <a:t>After login the website, the developer guy can see the </a:t>
-            </a:r>
-            <a:r>
-              <a:rPr lang="tr-TR" i="1" dirty="0" smtClean="0">
+              <a:t>Key access for managers table in user mode. Clicking name of the manager in list of </a:t>
+            </a:r>
+          </a:p>
+          <a:p>
+            <a:r>
+              <a:rPr lang="tr-TR" dirty="0">
                 <a:latin typeface="Arial" panose="020B0604020202020204" pitchFamily="34" charset="0"/>
                 <a:cs typeface="Arial" panose="020B0604020202020204" pitchFamily="34" charset="0"/>
               </a:rPr>
-              <a:t>details</a:t>
-            </a:r>
-            <a:r>
-              <a:rPr lang="en-US" i="1" dirty="0" smtClean="0">
-                <a:latin typeface="Arial" panose="020B0604020202020204" pitchFamily="34" charset="0"/>
-                <a:cs typeface="Arial" panose="020B0604020202020204" pitchFamily="34" charset="0"/>
-              </a:rPr>
-              <a:t> </a:t>
-            </a:r>
-            <a:r>
-              <a:rPr lang="en-US" i="1" dirty="0">
-                <a:latin typeface="Arial" panose="020B0604020202020204" pitchFamily="34" charset="0"/>
-                <a:cs typeface="Arial" panose="020B0604020202020204" pitchFamily="34" charset="0"/>
-              </a:rPr>
-              <a:t>for all teams by clicking ‘See All </a:t>
-            </a:r>
-            <a:r>
-              <a:rPr lang="tr-TR" i="1" dirty="0" smtClean="0">
-                <a:latin typeface="Arial" panose="020B0604020202020204" pitchFamily="34" charset="0"/>
-                <a:cs typeface="Arial" panose="020B0604020202020204" pitchFamily="34" charset="0"/>
-              </a:rPr>
-              <a:t>Details</a:t>
-            </a:r>
-            <a:r>
-              <a:rPr lang="en-US" i="1" dirty="0" smtClean="0">
-                <a:latin typeface="Arial" panose="020B0604020202020204" pitchFamily="34" charset="0"/>
-                <a:cs typeface="Arial" panose="020B0604020202020204" pitchFamily="34" charset="0"/>
-              </a:rPr>
-              <a:t>’ </a:t>
-            </a:r>
-            <a:r>
-              <a:rPr lang="en-US" i="1" dirty="0">
-                <a:latin typeface="Arial" panose="020B0604020202020204" pitchFamily="34" charset="0"/>
-                <a:cs typeface="Arial" panose="020B0604020202020204" pitchFamily="34" charset="0"/>
-              </a:rPr>
-              <a:t>button. The developer also can add, update and delete the by clicking the buttons.</a:t>
-            </a:r>
-            <a:endParaRPr lang="en-US" dirty="0">
-              <a:latin typeface="Arial" panose="020B0604020202020204" pitchFamily="34" charset="0"/>
-              <a:cs typeface="Arial" panose="020B0604020202020204" pitchFamily="34" charset="0"/>
-            </a:endParaRPr>
+              <a:t>manager page or in the teams page will redirect to this page. </a:t>
+            </a:r>
           </a:p>
         </p:txBody>
       </p:sp>
     </p:spTree>
     <p:extLst>
       <p:ext uri="{BB962C8B-B14F-4D97-AF65-F5344CB8AC3E}">
-        <p14:creationId xmlns:p14="http://schemas.microsoft.com/office/powerpoint/2010/main" val="906131323"/>
+        <p14:creationId xmlns:p14="http://schemas.microsoft.com/office/powerpoint/2010/main" val="442135863"/>
       </p:ext>
     </p:extLst>
   </p:cSld>
@@ -7208,8 +7134,8 @@
         </p:blipFill>
         <p:spPr>
           <a:xfrm>
-            <a:off x="1055076" y="864451"/>
-            <a:ext cx="10398369" cy="4359530"/>
+            <a:off x="461359" y="184638"/>
+            <a:ext cx="11730641" cy="5222631"/>
           </a:xfrm>
           <a:prstGeom prst="rect">
             <a:avLst/>
@@ -7218,58 +7144,39 @@
       </p:pic>
       <p:sp>
         <p:nvSpPr>
-          <p:cNvPr id="3" name="TextBox 2"/>
-          <p:cNvSpPr txBox="1"/>
-          <p:nvPr/>
-        </p:nvSpPr>
-        <p:spPr>
-          <a:xfrm>
-            <a:off x="4088422" y="5662246"/>
-            <a:ext cx="4185139" cy="369332"/>
-          </a:xfrm>
-          <a:prstGeom prst="rect">
-            <a:avLst/>
-          </a:prstGeom>
-          <a:noFill/>
-        </p:spPr>
-        <p:txBody>
-          <a:bodyPr wrap="square" rtlCol="0">
+          <p:cNvPr id="3" name="Rectangle 2"/>
+          <p:cNvSpPr/>
+          <p:nvPr/>
+        </p:nvSpPr>
+        <p:spPr>
+          <a:xfrm>
+            <a:off x="2312377" y="5721058"/>
+            <a:ext cx="8440616" cy="646331"/>
+          </a:xfrm>
+          <a:prstGeom prst="rect">
+            <a:avLst/>
+          </a:prstGeom>
+        </p:spPr>
+        <p:txBody>
+          <a:bodyPr wrap="square">
             <a:spAutoFit/>
           </a:bodyPr>
           <a:lstStyle/>
           <a:p>
             <a:r>
-              <a:rPr lang="en-US" i="1" dirty="0">
+              <a:rPr lang="tr-TR" dirty="0">
                 <a:latin typeface="Arial" panose="020B0604020202020204" pitchFamily="34" charset="0"/>
                 <a:cs typeface="Arial" panose="020B0604020202020204" pitchFamily="34" charset="0"/>
               </a:rPr>
-              <a:t>Stadium </a:t>
-            </a:r>
-            <a:r>
-              <a:rPr lang="en-US" i="1" dirty="0" smtClean="0">
-                <a:latin typeface="Arial" panose="020B0604020202020204" pitchFamily="34" charset="0"/>
-                <a:cs typeface="Arial" panose="020B0604020202020204" pitchFamily="34" charset="0"/>
-              </a:rPr>
-              <a:t>adding </a:t>
-            </a:r>
-            <a:r>
-              <a:rPr lang="en-US" i="1" dirty="0">
-                <a:latin typeface="Arial" panose="020B0604020202020204" pitchFamily="34" charset="0"/>
-                <a:cs typeface="Arial" panose="020B0604020202020204" pitchFamily="34" charset="0"/>
-              </a:rPr>
-              <a:t>page for developer.</a:t>
-            </a:r>
-            <a:endParaRPr lang="en-US" dirty="0">
-              <a:latin typeface="Arial" panose="020B0604020202020204" pitchFamily="34" charset="0"/>
-              <a:cs typeface="Arial" panose="020B0604020202020204" pitchFamily="34" charset="0"/>
-            </a:endParaRPr>
+              <a:t>After logging in, the developer can see all managers in this page by clicking the ‘See All Managers’ button. Developer can delete and update the managers.</a:t>
+            </a:r>
           </a:p>
         </p:txBody>
       </p:sp>
     </p:spTree>
     <p:extLst>
       <p:ext uri="{BB962C8B-B14F-4D97-AF65-F5344CB8AC3E}">
-        <p14:creationId xmlns:p14="http://schemas.microsoft.com/office/powerpoint/2010/main" val="1440680310"/>
+        <p14:creationId xmlns:p14="http://schemas.microsoft.com/office/powerpoint/2010/main" val="3694506002"/>
       </p:ext>
     </p:extLst>
   </p:cSld>
@@ -7296,65 +7203,9 @@
           <a:chExt cx="0" cy="0"/>
         </a:xfrm>
       </p:grpSpPr>
-      <p:sp>
-        <p:nvSpPr>
-          <p:cNvPr id="5" name="Rectangle 4"/>
-          <p:cNvSpPr/>
-          <p:nvPr/>
-        </p:nvSpPr>
-        <p:spPr>
-          <a:xfrm>
-            <a:off x="1261872" y="615351"/>
-            <a:ext cx="10106582" cy="1477328"/>
-          </a:xfrm>
-          <a:prstGeom prst="rect">
-            <a:avLst/>
-          </a:prstGeom>
-        </p:spPr>
-        <p:txBody>
-          <a:bodyPr wrap="square">
-            <a:spAutoFit/>
-          </a:bodyPr>
-          <a:lstStyle/>
-          <a:p>
-            <a:r>
-              <a:rPr lang="tr-TR" sz="3600" dirty="0">
-                <a:latin typeface="Arial" panose="020B0604020202020204" pitchFamily="34" charset="0"/>
-                <a:cs typeface="Arial" panose="020B0604020202020204" pitchFamily="34" charset="0"/>
-              </a:rPr>
-              <a:t>Muhammed Enes Tırnakçı</a:t>
-            </a:r>
-          </a:p>
-          <a:p>
-            <a:endParaRPr lang="tr-TR" dirty="0">
-              <a:latin typeface="Arial" panose="020B0604020202020204" pitchFamily="34" charset="0"/>
-              <a:cs typeface="Arial" panose="020B0604020202020204" pitchFamily="34" charset="0"/>
-            </a:endParaRPr>
-          </a:p>
-          <a:p>
-            <a:r>
-              <a:rPr lang="tr-TR" dirty="0">
-                <a:latin typeface="Arial" panose="020B0604020202020204" pitchFamily="34" charset="0"/>
-                <a:cs typeface="Arial" panose="020B0604020202020204" pitchFamily="34" charset="0"/>
-              </a:rPr>
-              <a:t>- Teams, player, manager, and goal tables</a:t>
-            </a:r>
-          </a:p>
-          <a:p>
-            <a:pPr marL="285750" indent="-285750">
-              <a:buFontTx/>
-              <a:buChar char="-"/>
-            </a:pPr>
-            <a:endParaRPr lang="tr-TR" dirty="0">
-              <a:latin typeface="Arial" panose="020B0604020202020204" pitchFamily="34" charset="0"/>
-              <a:cs typeface="Arial" panose="020B0604020202020204" pitchFamily="34" charset="0"/>
-            </a:endParaRPr>
-          </a:p>
-        </p:txBody>
-      </p:sp>
       <p:pic>
         <p:nvPicPr>
-          <p:cNvPr id="4" name="Picture 3"/>
+          <p:cNvPr id="2" name="Picture 1"/>
           <p:cNvPicPr>
             <a:picLocks noChangeAspect="1"/>
           </p:cNvPicPr>
@@ -7374,48 +7225,49 @@
         </p:blipFill>
         <p:spPr>
           <a:xfrm>
-            <a:off x="2554092" y="2400329"/>
-            <a:ext cx="7522142" cy="4006268"/>
+            <a:off x="483577" y="943570"/>
+            <a:ext cx="11611708" cy="4684024"/>
           </a:xfrm>
           <a:prstGeom prst="rect">
             <a:avLst/>
           </a:prstGeom>
         </p:spPr>
       </p:pic>
-      <p:pic>
-        <p:nvPicPr>
-          <p:cNvPr id="6" name="Picture 5"/>
-          <p:cNvPicPr>
-            <a:picLocks noChangeAspect="1"/>
-          </p:cNvPicPr>
-          <p:nvPr/>
-        </p:nvPicPr>
-        <p:blipFill>
-          <a:blip r:embed="rId3">
-            <a:extLst>
-              <a:ext uri="{28A0092B-C50C-407E-A947-70E740481C1C}">
-                <a14:useLocalDpi xmlns:a14="http://schemas.microsoft.com/office/drawing/2010/main" val="0"/>
-              </a:ext>
-            </a:extLst>
-          </a:blip>
-          <a:stretch>
-            <a:fillRect/>
-          </a:stretch>
-        </p:blipFill>
-        <p:spPr>
-          <a:xfrm>
-            <a:off x="11049000" y="0"/>
-            <a:ext cx="1143000" cy="1076325"/>
-          </a:xfrm>
-          <a:prstGeom prst="rect">
-            <a:avLst/>
-          </a:prstGeom>
-        </p:spPr>
-      </p:pic>
+      <p:sp>
+        <p:nvSpPr>
+          <p:cNvPr id="3" name="Rectangle 2"/>
+          <p:cNvSpPr/>
+          <p:nvPr/>
+        </p:nvSpPr>
+        <p:spPr>
+          <a:xfrm>
+            <a:off x="3722402" y="5908403"/>
+            <a:ext cx="5468164" cy="369332"/>
+          </a:xfrm>
+          <a:prstGeom prst="rect">
+            <a:avLst/>
+          </a:prstGeom>
+        </p:spPr>
+        <p:txBody>
+          <a:bodyPr wrap="none">
+            <a:spAutoFit/>
+          </a:bodyPr>
+          <a:lstStyle/>
+          <a:p>
+            <a:r>
+              <a:rPr lang="tr-TR" dirty="0">
+                <a:latin typeface="Arial" panose="020B0604020202020204" pitchFamily="34" charset="0"/>
+                <a:cs typeface="Arial" panose="020B0604020202020204" pitchFamily="34" charset="0"/>
+              </a:rPr>
+              <a:t>Key access for managers table in developer mode.</a:t>
+            </a:r>
+          </a:p>
+        </p:txBody>
+      </p:sp>
     </p:spTree>
     <p:extLst>
       <p:ext uri="{BB962C8B-B14F-4D97-AF65-F5344CB8AC3E}">
-        <p14:creationId xmlns:p14="http://schemas.microsoft.com/office/powerpoint/2010/main" val="219396799"/>
+        <p14:creationId xmlns:p14="http://schemas.microsoft.com/office/powerpoint/2010/main" val="4254890193"/>
       </p:ext>
     </p:extLst>
   </p:cSld>
@@ -7444,7 +7296,7 @@
       </p:grpSpPr>
       <p:pic>
         <p:nvPicPr>
-          <p:cNvPr id="6" name="Picture 5"/>
+          <p:cNvPr id="2" name="Picture 1"/>
           <p:cNvPicPr>
             <a:picLocks noChangeAspect="1"/>
           </p:cNvPicPr>
@@ -7464,8 +7316,8 @@
         </p:blipFill>
         <p:spPr>
           <a:xfrm>
-            <a:off x="1010766" y="2056114"/>
-            <a:ext cx="10240804" cy="2657846"/>
+            <a:off x="457200" y="167053"/>
+            <a:ext cx="11734800" cy="5329504"/>
           </a:xfrm>
           <a:prstGeom prst="rect">
             <a:avLst/>
@@ -7474,31 +7326,31 @@
       </p:pic>
       <p:sp>
         <p:nvSpPr>
-          <p:cNvPr id="2" name="Rectangle 1"/>
+          <p:cNvPr id="3" name="Rectangle 2"/>
           <p:cNvSpPr/>
           <p:nvPr/>
         </p:nvSpPr>
         <p:spPr>
           <a:xfrm>
-            <a:off x="5364484" y="1274857"/>
-            <a:ext cx="1533368" cy="523220"/>
-          </a:xfrm>
-          <a:prstGeom prst="rect">
-            <a:avLst/>
-          </a:prstGeom>
-        </p:spPr>
-        <p:txBody>
-          <a:bodyPr wrap="none">
+            <a:off x="2945423" y="5605027"/>
+            <a:ext cx="6304085" cy="923330"/>
+          </a:xfrm>
+          <a:prstGeom prst="rect">
+            <a:avLst/>
+          </a:prstGeom>
+        </p:spPr>
+        <p:txBody>
+          <a:bodyPr wrap="square">
             <a:spAutoFit/>
           </a:bodyPr>
           <a:lstStyle/>
           <a:p>
             <a:r>
-              <a:rPr lang="tr-TR" sz="2800" dirty="0">
+              <a:rPr lang="tr-TR" dirty="0">
                 <a:latin typeface="Arial" panose="020B0604020202020204" pitchFamily="34" charset="0"/>
                 <a:cs typeface="Arial" panose="020B0604020202020204" pitchFamily="34" charset="0"/>
               </a:rPr>
-              <a:t>TABLES</a:t>
+              <a:t>After logging in, the developer can see all players in this page by clicking the ‘See All Players button. Developer can delete and update the players.</a:t>
             </a:r>
           </a:p>
         </p:txBody>
@@ -7506,7 +7358,7 @@
     </p:spTree>
     <p:extLst>
       <p:ext uri="{BB962C8B-B14F-4D97-AF65-F5344CB8AC3E}">
-        <p14:creationId xmlns:p14="http://schemas.microsoft.com/office/powerpoint/2010/main" val="564694117"/>
+        <p14:creationId xmlns:p14="http://schemas.microsoft.com/office/powerpoint/2010/main" val="1714114524"/>
       </p:ext>
     </p:extLst>
   </p:cSld>
@@ -7555,8 +7407,8 @@
         </p:blipFill>
         <p:spPr>
           <a:xfrm>
-            <a:off x="465994" y="172421"/>
-            <a:ext cx="11726006" cy="5300204"/>
+            <a:off x="439615" y="676930"/>
+            <a:ext cx="11752385" cy="4254740"/>
           </a:xfrm>
           <a:prstGeom prst="rect">
             <a:avLst/>
@@ -7571,15 +7423,15 @@
         </p:nvSpPr>
         <p:spPr>
           <a:xfrm>
-            <a:off x="3280997" y="5657781"/>
-            <a:ext cx="6096000" cy="923330"/>
-          </a:xfrm>
-          <a:prstGeom prst="rect">
-            <a:avLst/>
-          </a:prstGeom>
-        </p:spPr>
-        <p:txBody>
-          <a:bodyPr>
+            <a:off x="3951619" y="5357074"/>
+            <a:ext cx="4728376" cy="923330"/>
+          </a:xfrm>
+          <a:prstGeom prst="rect">
+            <a:avLst/>
+          </a:prstGeom>
+        </p:spPr>
+        <p:txBody>
+          <a:bodyPr wrap="square">
             <a:spAutoFit/>
           </a:bodyPr>
           <a:lstStyle/>
@@ -7589,7 +7441,7 @@
                 <a:latin typeface="Arial" panose="020B0604020202020204" pitchFamily="34" charset="0"/>
                 <a:cs typeface="Arial" panose="020B0604020202020204" pitchFamily="34" charset="0"/>
               </a:rPr>
-              <a:t>After logging in, the developer can see all goals in this page by clicking the ‘See All Goals’ button. Developer can delete and update the goals.</a:t>
+              <a:t>Key access for player table in developer mode. By clicking to the name of the player will redict to the this page.</a:t>
             </a:r>
           </a:p>
         </p:txBody>
@@ -7597,7 +7449,7 @@
     </p:spTree>
     <p:extLst>
       <p:ext uri="{BB962C8B-B14F-4D97-AF65-F5344CB8AC3E}">
-        <p14:creationId xmlns:p14="http://schemas.microsoft.com/office/powerpoint/2010/main" val="2747228822"/>
+        <p14:creationId xmlns:p14="http://schemas.microsoft.com/office/powerpoint/2010/main" val="3318890068"/>
       </p:ext>
     </p:extLst>
   </p:cSld>
@@ -7646,8 +7498,8 @@
         </p:blipFill>
         <p:spPr>
           <a:xfrm>
-            <a:off x="457200" y="167054"/>
-            <a:ext cx="11734800" cy="5914489"/>
+            <a:off x="448408" y="238757"/>
+            <a:ext cx="11743592" cy="5519117"/>
           </a:xfrm>
           <a:prstGeom prst="rect">
             <a:avLst/>
@@ -7656,13 +7508,13 @@
       </p:pic>
       <p:sp>
         <p:nvSpPr>
-          <p:cNvPr id="4" name="Rectangle 3"/>
+          <p:cNvPr id="3" name="Rectangle 2"/>
           <p:cNvSpPr/>
           <p:nvPr/>
         </p:nvSpPr>
         <p:spPr>
           <a:xfrm>
-            <a:off x="3179884" y="6081543"/>
+            <a:off x="3272204" y="5866620"/>
             <a:ext cx="6096000" cy="646331"/>
           </a:xfrm>
           <a:prstGeom prst="rect">
@@ -7680,7 +7532,7 @@
                 <a:latin typeface="Arial" panose="020B0604020202020204" pitchFamily="34" charset="0"/>
                 <a:cs typeface="Arial" panose="020B0604020202020204" pitchFamily="34" charset="0"/>
               </a:rPr>
-              <a:t>The user can see all managers in this page by clicking the ‘See All Managers’ button.</a:t>
+              <a:t>The user can see all players in this page by clicking the ‘See All Players’ button.</a:t>
             </a:r>
           </a:p>
         </p:txBody>
@@ -7688,7 +7540,7 @@
     </p:spTree>
     <p:extLst>
       <p:ext uri="{BB962C8B-B14F-4D97-AF65-F5344CB8AC3E}">
-        <p14:creationId xmlns:p14="http://schemas.microsoft.com/office/powerpoint/2010/main" val="581522566"/>
+        <p14:creationId xmlns:p14="http://schemas.microsoft.com/office/powerpoint/2010/main" val="1680858681"/>
       </p:ext>
     </p:extLst>
   </p:cSld>
@@ -7737,8 +7589,8 @@
         </p:blipFill>
         <p:spPr>
           <a:xfrm>
-            <a:off x="1440171" y="542242"/>
-            <a:ext cx="9593014" cy="4525006"/>
+            <a:off x="1301320" y="479196"/>
+            <a:ext cx="9659698" cy="5020376"/>
           </a:xfrm>
           <a:prstGeom prst="rect">
             <a:avLst/>
@@ -7753,34 +7605,32 @@
         </p:nvSpPr>
         <p:spPr>
           <a:xfrm>
-            <a:off x="1440171" y="5389658"/>
-            <a:ext cx="9191940" cy="646331"/>
-          </a:xfrm>
-          <a:prstGeom prst="rect">
-            <a:avLst/>
-          </a:prstGeom>
-        </p:spPr>
-        <p:txBody>
-          <a:bodyPr wrap="none">
+            <a:off x="3789281" y="5765313"/>
+            <a:ext cx="4683776" cy="923330"/>
+          </a:xfrm>
+          <a:prstGeom prst="rect">
+            <a:avLst/>
+          </a:prstGeom>
+        </p:spPr>
+        <p:txBody>
+          <a:bodyPr wrap="square">
             <a:spAutoFit/>
           </a:bodyPr>
           <a:lstStyle/>
           <a:p>
+            <a:r>
+              <a:rPr lang="en-US" dirty="0">
+                <a:latin typeface="Arial" panose="020B0604020202020204" pitchFamily="34" charset="0"/>
+                <a:cs typeface="Arial" panose="020B0604020202020204" pitchFamily="34" charset="0"/>
+              </a:rPr>
+              <a:t>Key access for players table in user mode.</a:t>
+            </a:r>
             <a:r>
               <a:rPr lang="tr-TR" dirty="0">
                 <a:latin typeface="Arial" panose="020B0604020202020204" pitchFamily="34" charset="0"/>
                 <a:cs typeface="Arial" panose="020B0604020202020204" pitchFamily="34" charset="0"/>
               </a:rPr>
-              <a:t>Key access for managers table in user mode. Clicking name of the manager in list of </a:t>
-            </a:r>
-          </a:p>
-          <a:p>
-            <a:r>
-              <a:rPr lang="tr-TR" dirty="0">
-                <a:latin typeface="Arial" panose="020B0604020202020204" pitchFamily="34" charset="0"/>
-                <a:cs typeface="Arial" panose="020B0604020202020204" pitchFamily="34" charset="0"/>
-              </a:rPr>
-              <a:t>manager page or in the teams page will redirect to this page. </a:t>
+              <a:t> By clicking to the name of the player will redict to this page</a:t>
             </a:r>
           </a:p>
         </p:txBody>
@@ -7788,7 +7638,7 @@
     </p:spTree>
     <p:extLst>
       <p:ext uri="{BB962C8B-B14F-4D97-AF65-F5344CB8AC3E}">
-        <p14:creationId xmlns:p14="http://schemas.microsoft.com/office/powerpoint/2010/main" val="442135863"/>
+        <p14:creationId xmlns:p14="http://schemas.microsoft.com/office/powerpoint/2010/main" val="2411426219"/>
       </p:ext>
     </p:extLst>
   </p:cSld>
@@ -7837,8 +7687,8 @@
         </p:blipFill>
         <p:spPr>
           <a:xfrm>
-            <a:off x="461359" y="184638"/>
-            <a:ext cx="11730641" cy="5222631"/>
+            <a:off x="448408" y="0"/>
+            <a:ext cx="11743592" cy="5877977"/>
           </a:xfrm>
           <a:prstGeom prst="rect">
             <a:avLst/>
@@ -7853,15 +7703,15 @@
         </p:nvSpPr>
         <p:spPr>
           <a:xfrm>
-            <a:off x="2312377" y="5721058"/>
-            <a:ext cx="8440616" cy="646331"/>
-          </a:xfrm>
-          <a:prstGeom prst="rect">
-            <a:avLst/>
-          </a:prstGeom>
-        </p:spPr>
-        <p:txBody>
-          <a:bodyPr wrap="square">
+            <a:off x="3272204" y="5980920"/>
+            <a:ext cx="6096000" cy="646331"/>
+          </a:xfrm>
+          <a:prstGeom prst="rect">
+            <a:avLst/>
+          </a:prstGeom>
+        </p:spPr>
+        <p:txBody>
+          <a:bodyPr>
             <a:spAutoFit/>
           </a:bodyPr>
           <a:lstStyle/>
@@ -7871,7 +7721,7 @@
                 <a:latin typeface="Arial" panose="020B0604020202020204" pitchFamily="34" charset="0"/>
                 <a:cs typeface="Arial" panose="020B0604020202020204" pitchFamily="34" charset="0"/>
               </a:rPr>
-              <a:t>After logging in, the developer can see all managers in this page by clicking the ‘See All Managers’ button. Developer can delete and update the managers.</a:t>
+              <a:t>The user can see all teams in this page by clicking the ‘See All Teams’ button.</a:t>
             </a:r>
           </a:p>
         </p:txBody>
@@ -7879,7 +7729,7 @@
     </p:spTree>
     <p:extLst>
       <p:ext uri="{BB962C8B-B14F-4D97-AF65-F5344CB8AC3E}">
-        <p14:creationId xmlns:p14="http://schemas.microsoft.com/office/powerpoint/2010/main" val="3694506002"/>
+        <p14:creationId xmlns:p14="http://schemas.microsoft.com/office/powerpoint/2010/main" val="2903344267"/>
       </p:ext>
     </p:extLst>
   </p:cSld>
@@ -7928,8 +7778,8 @@
         </p:blipFill>
         <p:spPr>
           <a:xfrm>
-            <a:off x="483577" y="943570"/>
-            <a:ext cx="11611708" cy="4684024"/>
+            <a:off x="444691" y="0"/>
+            <a:ext cx="7592261" cy="6858000"/>
           </a:xfrm>
           <a:prstGeom prst="rect">
             <a:avLst/>
@@ -7944,15 +7794,15 @@
         </p:nvSpPr>
         <p:spPr>
           <a:xfrm>
-            <a:off x="3722402" y="5908403"/>
-            <a:ext cx="5468164" cy="369332"/>
-          </a:xfrm>
-          <a:prstGeom prst="rect">
-            <a:avLst/>
-          </a:prstGeom>
-        </p:spPr>
-        <p:txBody>
-          <a:bodyPr wrap="none">
+            <a:off x="8502163" y="1582340"/>
+            <a:ext cx="3248038" cy="3139321"/>
+          </a:xfrm>
+          <a:prstGeom prst="rect">
+            <a:avLst/>
+          </a:prstGeom>
+        </p:spPr>
+        <p:txBody>
+          <a:bodyPr wrap="square">
             <a:spAutoFit/>
           </a:bodyPr>
           <a:lstStyle/>
@@ -7962,7 +7812,65 @@
                 <a:latin typeface="Arial" panose="020B0604020202020204" pitchFamily="34" charset="0"/>
                 <a:cs typeface="Arial" panose="020B0604020202020204" pitchFamily="34" charset="0"/>
               </a:rPr>
-              <a:t>Key access for managers table in developer mode.</a:t>
+              <a:t>Key access for teams table in user mode. </a:t>
+            </a:r>
+          </a:p>
+          <a:p>
+            <a:endParaRPr lang="tr-TR" dirty="0">
+              <a:latin typeface="Arial" panose="020B0604020202020204" pitchFamily="34" charset="0"/>
+              <a:cs typeface="Arial" panose="020B0604020202020204" pitchFamily="34" charset="0"/>
+            </a:endParaRPr>
+          </a:p>
+          <a:p>
+            <a:r>
+              <a:rPr lang="tr-TR" dirty="0">
+                <a:latin typeface="Arial" panose="020B0604020202020204" pitchFamily="34" charset="0"/>
+                <a:cs typeface="Arial" panose="020B0604020202020204" pitchFamily="34" charset="0"/>
+              </a:rPr>
+              <a:t>By clicking name of the team will redirect to this page. </a:t>
+            </a:r>
+          </a:p>
+          <a:p>
+            <a:endParaRPr lang="tr-TR" dirty="0">
+              <a:latin typeface="Arial" panose="020B0604020202020204" pitchFamily="34" charset="0"/>
+              <a:cs typeface="Arial" panose="020B0604020202020204" pitchFamily="34" charset="0"/>
+            </a:endParaRPr>
+          </a:p>
+          <a:p>
+            <a:r>
+              <a:rPr lang="tr-TR" dirty="0">
+                <a:latin typeface="Arial" panose="020B0604020202020204" pitchFamily="34" charset="0"/>
+                <a:cs typeface="Arial" panose="020B0604020202020204" pitchFamily="34" charset="0"/>
+              </a:rPr>
+              <a:t>In this page all team players</a:t>
+            </a:r>
+            <a:r>
+              <a:rPr lang="tr-TR" b="1" dirty="0">
+                <a:latin typeface="Arial" panose="020B0604020202020204" pitchFamily="34" charset="0"/>
+                <a:cs typeface="Arial" panose="020B0604020202020204" pitchFamily="34" charset="0"/>
+              </a:rPr>
+              <a:t>, </a:t>
+            </a:r>
+            <a:r>
+              <a:rPr lang="tr-TR" dirty="0">
+                <a:latin typeface="Arial" panose="020B0604020202020204" pitchFamily="34" charset="0"/>
+                <a:cs typeface="Arial" panose="020B0604020202020204" pitchFamily="34" charset="0"/>
+              </a:rPr>
+              <a:t>stadium</a:t>
+            </a:r>
+            <a:r>
+              <a:rPr lang="tr-TR" b="1" dirty="0">
+                <a:latin typeface="Arial" panose="020B0604020202020204" pitchFamily="34" charset="0"/>
+                <a:cs typeface="Arial" panose="020B0604020202020204" pitchFamily="34" charset="0"/>
+              </a:rPr>
+              <a:t> </a:t>
+            </a:r>
+            <a:r>
+              <a:rPr lang="tr-TR" dirty="0">
+                <a:latin typeface="Arial" panose="020B0604020202020204" pitchFamily="34" charset="0"/>
+                <a:cs typeface="Arial" panose="020B0604020202020204" pitchFamily="34" charset="0"/>
+              </a:rPr>
+              <a:t>of the team, played or unplayed matches and manager of the team will be shown in this page.</a:t>
             </a:r>
           </a:p>
         </p:txBody>
@@ -7970,7 +7878,7 @@
     </p:spTree>
     <p:extLst>
       <p:ext uri="{BB962C8B-B14F-4D97-AF65-F5344CB8AC3E}">
-        <p14:creationId xmlns:p14="http://schemas.microsoft.com/office/powerpoint/2010/main" val="4254890193"/>
+        <p14:creationId xmlns:p14="http://schemas.microsoft.com/office/powerpoint/2010/main" val="1900980295"/>
       </p:ext>
     </p:extLst>
   </p:cSld>
@@ -8122,8 +8030,8 @@
         </p:blipFill>
         <p:spPr>
           <a:xfrm>
-            <a:off x="457200" y="167053"/>
-            <a:ext cx="11734800" cy="5329504"/>
+            <a:off x="465992" y="341655"/>
+            <a:ext cx="11726008" cy="5482048"/>
           </a:xfrm>
           <a:prstGeom prst="rect">
             <a:avLst/>
@@ -8138,15 +8046,15 @@
         </p:nvSpPr>
         <p:spPr>
           <a:xfrm>
-            <a:off x="2945423" y="5605027"/>
-            <a:ext cx="6304085" cy="923330"/>
-          </a:xfrm>
-          <a:prstGeom prst="rect">
-            <a:avLst/>
-          </a:prstGeom>
-        </p:spPr>
-        <p:txBody>
-          <a:bodyPr wrap="square">
+            <a:off x="3280996" y="5823703"/>
+            <a:ext cx="6096000" cy="923330"/>
+          </a:xfrm>
+          <a:prstGeom prst="rect">
+            <a:avLst/>
+          </a:prstGeom>
+        </p:spPr>
+        <p:txBody>
+          <a:bodyPr>
             <a:spAutoFit/>
           </a:bodyPr>
           <a:lstStyle/>
@@ -8156,7 +8064,7 @@
                 <a:latin typeface="Arial" panose="020B0604020202020204" pitchFamily="34" charset="0"/>
                 <a:cs typeface="Arial" panose="020B0604020202020204" pitchFamily="34" charset="0"/>
               </a:rPr>
-              <a:t>After logging in, the developer can see all players in this page by clicking the ‘See All Players button. Developer can delete and update the players.</a:t>
+              <a:t>After logging in, the developer can see all teams in this page by clicking the ‘See All Teams’ button. Developer can delete and update the teams.</a:t>
             </a:r>
           </a:p>
         </p:txBody>
@@ -8164,7 +8072,7 @@
     </p:spTree>
     <p:extLst>
       <p:ext uri="{BB962C8B-B14F-4D97-AF65-F5344CB8AC3E}">
-        <p14:creationId xmlns:p14="http://schemas.microsoft.com/office/powerpoint/2010/main" val="1714114524"/>
+        <p14:creationId xmlns:p14="http://schemas.microsoft.com/office/powerpoint/2010/main" val="1509745709"/>
       </p:ext>
     </p:extLst>
   </p:cSld>
@@ -8199,7 +8107,7 @@
           </p:cNvPicPr>
           <p:nvPr/>
         </p:nvPicPr>
-        <p:blipFill>
+        <p:blipFill rotWithShape="1">
           <a:blip r:embed="rId2">
             <a:extLst>
               <a:ext uri="{28A0092B-C50C-407E-A947-70E740481C1C}">
@@ -8207,14 +8115,13 @@
               </a:ext>
             </a:extLst>
           </a:blip>
-          <a:stretch>
-            <a:fillRect/>
-          </a:stretch>
+          <a:srcRect t="7821"/>
+          <a:stretch/>
         </p:blipFill>
         <p:spPr>
           <a:xfrm>
-            <a:off x="439615" y="676930"/>
-            <a:ext cx="11752385" cy="4254740"/>
+            <a:off x="456924" y="0"/>
+            <a:ext cx="7904561" cy="6858000"/>
           </a:xfrm>
           <a:prstGeom prst="rect">
             <a:avLst/>
@@ -8229,8 +8136,8 @@
         </p:nvSpPr>
         <p:spPr>
           <a:xfrm>
-            <a:off x="3951619" y="5357074"/>
-            <a:ext cx="4728376" cy="923330"/>
+            <a:off x="8502163" y="1582340"/>
+            <a:ext cx="3248038" cy="3970318"/>
           </a:xfrm>
           <a:prstGeom prst="rect">
             <a:avLst/>
@@ -8247,7 +8154,80 @@
                 <a:latin typeface="Arial" panose="020B0604020202020204" pitchFamily="34" charset="0"/>
                 <a:cs typeface="Arial" panose="020B0604020202020204" pitchFamily="34" charset="0"/>
               </a:rPr>
-              <a:t>Key access for player table in developer mode. By clicking to the name of the player will redict to the this page.</a:t>
+              <a:t>Key access for teams table in developer mode. </a:t>
+            </a:r>
+          </a:p>
+          <a:p>
+            <a:endParaRPr lang="tr-TR" dirty="0">
+              <a:latin typeface="Arial" panose="020B0604020202020204" pitchFamily="34" charset="0"/>
+              <a:cs typeface="Arial" panose="020B0604020202020204" pitchFamily="34" charset="0"/>
+            </a:endParaRPr>
+          </a:p>
+          <a:p>
+            <a:r>
+              <a:rPr lang="tr-TR" dirty="0">
+                <a:latin typeface="Arial" panose="020B0604020202020204" pitchFamily="34" charset="0"/>
+                <a:cs typeface="Arial" panose="020B0604020202020204" pitchFamily="34" charset="0"/>
+              </a:rPr>
+              <a:t>After loggining in, by clicking name of the team will redirect to this page. </a:t>
+            </a:r>
+          </a:p>
+          <a:p>
+            <a:endParaRPr lang="tr-TR" dirty="0">
+              <a:latin typeface="Arial" panose="020B0604020202020204" pitchFamily="34" charset="0"/>
+              <a:cs typeface="Arial" panose="020B0604020202020204" pitchFamily="34" charset="0"/>
+            </a:endParaRPr>
+          </a:p>
+          <a:p>
+            <a:r>
+              <a:rPr lang="tr-TR" dirty="0">
+                <a:latin typeface="Arial" panose="020B0604020202020204" pitchFamily="34" charset="0"/>
+                <a:cs typeface="Arial" panose="020B0604020202020204" pitchFamily="34" charset="0"/>
+              </a:rPr>
+              <a:t>In this page all team players</a:t>
+            </a:r>
+            <a:r>
+              <a:rPr lang="tr-TR" b="1" dirty="0">
+                <a:latin typeface="Arial" panose="020B0604020202020204" pitchFamily="34" charset="0"/>
+                <a:cs typeface="Arial" panose="020B0604020202020204" pitchFamily="34" charset="0"/>
+              </a:rPr>
+              <a:t>, </a:t>
+            </a:r>
+            <a:r>
+              <a:rPr lang="tr-TR" dirty="0">
+                <a:latin typeface="Arial" panose="020B0604020202020204" pitchFamily="34" charset="0"/>
+                <a:cs typeface="Arial" panose="020B0604020202020204" pitchFamily="34" charset="0"/>
+              </a:rPr>
+              <a:t>stadium</a:t>
+            </a:r>
+            <a:r>
+              <a:rPr lang="tr-TR" b="1" dirty="0">
+                <a:latin typeface="Arial" panose="020B0604020202020204" pitchFamily="34" charset="0"/>
+                <a:cs typeface="Arial" panose="020B0604020202020204" pitchFamily="34" charset="0"/>
+              </a:rPr>
+              <a:t> </a:t>
+            </a:r>
+            <a:r>
+              <a:rPr lang="tr-TR" dirty="0">
+                <a:latin typeface="Arial" panose="020B0604020202020204" pitchFamily="34" charset="0"/>
+                <a:cs typeface="Arial" panose="020B0604020202020204" pitchFamily="34" charset="0"/>
+              </a:rPr>
+              <a:t>of the team, played or unplayed matches and manager of the team will be shown in this page.</a:t>
+            </a:r>
+          </a:p>
+          <a:p>
+            <a:endParaRPr lang="tr-TR" dirty="0">
+              <a:latin typeface="Arial" panose="020B0604020202020204" pitchFamily="34" charset="0"/>
+              <a:cs typeface="Arial" panose="020B0604020202020204" pitchFamily="34" charset="0"/>
+            </a:endParaRPr>
+          </a:p>
+          <a:p>
+            <a:r>
+              <a:rPr lang="tr-TR" dirty="0">
+                <a:latin typeface="Arial" panose="020B0604020202020204" pitchFamily="34" charset="0"/>
+                <a:cs typeface="Arial" panose="020B0604020202020204" pitchFamily="34" charset="0"/>
+              </a:rPr>
+              <a:t>All buttons works properly.</a:t>
             </a:r>
           </a:p>
         </p:txBody>
@@ -8255,7 +8235,7 @@
     </p:spTree>
     <p:extLst>
       <p:ext uri="{BB962C8B-B14F-4D97-AF65-F5344CB8AC3E}">
-        <p14:creationId xmlns:p14="http://schemas.microsoft.com/office/powerpoint/2010/main" val="3318890068"/>
+        <p14:creationId xmlns:p14="http://schemas.microsoft.com/office/powerpoint/2010/main" val="4237195425"/>
       </p:ext>
     </p:extLst>
   </p:cSld>
@@ -8291,7 +8271,7 @@
           <p:nvPr/>
         </p:nvPicPr>
         <p:blipFill>
-          <a:blip r:embed="rId2">
+          <a:blip r:embed="rId3">
             <a:extLst>
               <a:ext uri="{28A0092B-C50C-407E-A947-70E740481C1C}">
                 <a14:useLocalDpi xmlns:a14="http://schemas.microsoft.com/office/drawing/2010/main" val="0"/>
@@ -8304,8 +8284,8 @@
         </p:blipFill>
         <p:spPr>
           <a:xfrm>
-            <a:off x="448408" y="238757"/>
-            <a:ext cx="11743592" cy="5519117"/>
+            <a:off x="457200" y="157739"/>
+            <a:ext cx="11734800" cy="5721722"/>
           </a:xfrm>
           <a:prstGeom prst="rect">
             <a:avLst/>
@@ -8320,7 +8300,7 @@
         </p:nvSpPr>
         <p:spPr>
           <a:xfrm>
-            <a:off x="3272204" y="5866620"/>
+            <a:off x="3276600" y="6042466"/>
             <a:ext cx="6096000" cy="646331"/>
           </a:xfrm>
           <a:prstGeom prst="rect">
@@ -8338,7 +8318,7 @@
                 <a:latin typeface="Arial" panose="020B0604020202020204" pitchFamily="34" charset="0"/>
                 <a:cs typeface="Arial" panose="020B0604020202020204" pitchFamily="34" charset="0"/>
               </a:rPr>
-              <a:t>The user can see all players in this page by clicking the ‘See All Players’ button.</a:t>
+              <a:t>The user can see top goal player in this page by clicking the ‘See Top Goal’ button.</a:t>
             </a:r>
           </a:p>
         </p:txBody>
@@ -8346,7 +8326,7 @@
     </p:spTree>
     <p:extLst>
       <p:ext uri="{BB962C8B-B14F-4D97-AF65-F5344CB8AC3E}">
-        <p14:creationId xmlns:p14="http://schemas.microsoft.com/office/powerpoint/2010/main" val="1680858681"/>
+        <p14:creationId xmlns:p14="http://schemas.microsoft.com/office/powerpoint/2010/main" val="4181111302"/>
       </p:ext>
     </p:extLst>
   </p:cSld>
@@ -8373,9 +8353,55 @@
           <a:chExt cx="0" cy="0"/>
         </a:xfrm>
       </p:grpSpPr>
+      <p:sp>
+        <p:nvSpPr>
+          <p:cNvPr id="2" name="Rectangle 1"/>
+          <p:cNvSpPr/>
+          <p:nvPr/>
+        </p:nvSpPr>
+        <p:spPr>
+          <a:xfrm>
+            <a:off x="8970699" y="1417713"/>
+            <a:ext cx="3153893" cy="3139321"/>
+          </a:xfrm>
+          <a:prstGeom prst="rect">
+            <a:avLst/>
+          </a:prstGeom>
+        </p:spPr>
+        <p:txBody>
+          <a:bodyPr wrap="square">
+            <a:spAutoFit/>
+          </a:bodyPr>
+          <a:lstStyle/>
+          <a:p>
+            <a:r>
+              <a:rPr lang="tr-TR" dirty="0">
+                <a:latin typeface="Arial" panose="020B0604020202020204" pitchFamily="34" charset="0"/>
+                <a:cs typeface="Arial" panose="020B0604020202020204" pitchFamily="34" charset="0"/>
+              </a:rPr>
+              <a:t>The user can see detailed match information in this page by clicking the ‘Finished or Live buttons in the fixture page.</a:t>
+            </a:r>
+          </a:p>
+          <a:p>
+            <a:endParaRPr lang="tr-TR" dirty="0">
+              <a:latin typeface="Arial" panose="020B0604020202020204" pitchFamily="34" charset="0"/>
+              <a:cs typeface="Arial" panose="020B0604020202020204" pitchFamily="34" charset="0"/>
+            </a:endParaRPr>
+          </a:p>
+          <a:p>
+            <a:r>
+              <a:rPr lang="tr-TR" dirty="0">
+                <a:latin typeface="Arial" panose="020B0604020202020204" pitchFamily="34" charset="0"/>
+                <a:cs typeface="Arial" panose="020B0604020202020204" pitchFamily="34" charset="0"/>
+              </a:rPr>
+              <a:t>If any new information is updated by developer in the live match page, and if the user refresh this page, user can see new informations.</a:t>
+            </a:r>
+          </a:p>
+        </p:txBody>
+      </p:sp>
       <p:pic>
         <p:nvPicPr>
-          <p:cNvPr id="2" name="Picture 1"/>
+          <p:cNvPr id="4" name="Picture 3"/>
           <p:cNvPicPr>
             <a:picLocks noChangeAspect="1"/>
           </p:cNvPicPr>
@@ -8395,56 +8421,18 @@
         </p:blipFill>
         <p:spPr>
           <a:xfrm>
-            <a:off x="1301320" y="479196"/>
-            <a:ext cx="9659698" cy="5020376"/>
+            <a:off x="451724" y="0"/>
+            <a:ext cx="8422260" cy="6858000"/>
           </a:xfrm>
           <a:prstGeom prst="rect">
             <a:avLst/>
           </a:prstGeom>
         </p:spPr>
       </p:pic>
-      <p:sp>
-        <p:nvSpPr>
-          <p:cNvPr id="3" name="Rectangle 2"/>
-          <p:cNvSpPr/>
-          <p:nvPr/>
-        </p:nvSpPr>
-        <p:spPr>
-          <a:xfrm>
-            <a:off x="3789281" y="5765313"/>
-            <a:ext cx="4683776" cy="923330"/>
-          </a:xfrm>
-          <a:prstGeom prst="rect">
-            <a:avLst/>
-          </a:prstGeom>
-        </p:spPr>
-        <p:txBody>
-          <a:bodyPr wrap="square">
-            <a:spAutoFit/>
-          </a:bodyPr>
-          <a:lstStyle/>
-          <a:p>
-            <a:r>
-              <a:rPr lang="en-US" dirty="0">
-                <a:latin typeface="Arial" panose="020B0604020202020204" pitchFamily="34" charset="0"/>
-                <a:cs typeface="Arial" panose="020B0604020202020204" pitchFamily="34" charset="0"/>
-              </a:rPr>
-              <a:t>Key access for players table in user mode.</a:t>
-            </a:r>
-            <a:r>
-              <a:rPr lang="tr-TR" dirty="0">
-                <a:latin typeface="Arial" panose="020B0604020202020204" pitchFamily="34" charset="0"/>
-                <a:cs typeface="Arial" panose="020B0604020202020204" pitchFamily="34" charset="0"/>
-              </a:rPr>
-              <a:t> By clicking to the name of the player will redict to this page</a:t>
-            </a:r>
-          </a:p>
-        </p:txBody>
-      </p:sp>
     </p:spTree>
     <p:extLst>
       <p:ext uri="{BB962C8B-B14F-4D97-AF65-F5344CB8AC3E}">
-        <p14:creationId xmlns:p14="http://schemas.microsoft.com/office/powerpoint/2010/main" val="2411426219"/>
+        <p14:creationId xmlns:p14="http://schemas.microsoft.com/office/powerpoint/2010/main" val="2905879302"/>
       </p:ext>
     </p:extLst>
   </p:cSld>
@@ -8493,8 +8481,8 @@
         </p:blipFill>
         <p:spPr>
           <a:xfrm>
-            <a:off x="448408" y="0"/>
-            <a:ext cx="11743592" cy="5877977"/>
+            <a:off x="641839" y="286198"/>
+            <a:ext cx="11057792" cy="5286193"/>
           </a:xfrm>
           <a:prstGeom prst="rect">
             <a:avLst/>
@@ -8509,15 +8497,15 @@
         </p:nvSpPr>
         <p:spPr>
           <a:xfrm>
-            <a:off x="3272204" y="5980920"/>
-            <a:ext cx="6096000" cy="646331"/>
-          </a:xfrm>
-          <a:prstGeom prst="rect">
-            <a:avLst/>
-          </a:prstGeom>
-        </p:spPr>
-        <p:txBody>
-          <a:bodyPr>
+            <a:off x="4274222" y="5899611"/>
+            <a:ext cx="3793026" cy="369332"/>
+          </a:xfrm>
+          <a:prstGeom prst="rect">
+            <a:avLst/>
+          </a:prstGeom>
+        </p:spPr>
+        <p:txBody>
+          <a:bodyPr wrap="none">
             <a:spAutoFit/>
           </a:bodyPr>
           <a:lstStyle/>
@@ -8527,7 +8515,7 @@
                 <a:latin typeface="Arial" panose="020B0604020202020204" pitchFamily="34" charset="0"/>
                 <a:cs typeface="Arial" panose="020B0604020202020204" pitchFamily="34" charset="0"/>
               </a:rPr>
-              <a:t>The user can see all teams in this page by clicking the ‘See All Teams’ button.</a:t>
+              <a:t>Team addding page for developer.</a:t>
             </a:r>
           </a:p>
         </p:txBody>
@@ -8535,7 +8523,7 @@
     </p:spTree>
     <p:extLst>
       <p:ext uri="{BB962C8B-B14F-4D97-AF65-F5344CB8AC3E}">
-        <p14:creationId xmlns:p14="http://schemas.microsoft.com/office/powerpoint/2010/main" val="2903344267"/>
+        <p14:creationId xmlns:p14="http://schemas.microsoft.com/office/powerpoint/2010/main" val="4015451514"/>
       </p:ext>
     </p:extLst>
   </p:cSld>
@@ -8584,8 +8572,8 @@
         </p:blipFill>
         <p:spPr>
           <a:xfrm>
-            <a:off x="444691" y="0"/>
-            <a:ext cx="7592261" cy="6858000"/>
+            <a:off x="949568" y="421957"/>
+            <a:ext cx="10732477" cy="5139336"/>
           </a:xfrm>
           <a:prstGeom prst="rect">
             <a:avLst/>
@@ -8600,15 +8588,15 @@
         </p:nvSpPr>
         <p:spPr>
           <a:xfrm>
-            <a:off x="8502163" y="1582340"/>
-            <a:ext cx="3248038" cy="3139321"/>
-          </a:xfrm>
-          <a:prstGeom prst="rect">
-            <a:avLst/>
-          </a:prstGeom>
-        </p:spPr>
-        <p:txBody>
-          <a:bodyPr wrap="square">
+            <a:off x="4372806" y="5855649"/>
+            <a:ext cx="3886000" cy="369332"/>
+          </a:xfrm>
+          <a:prstGeom prst="rect">
+            <a:avLst/>
+          </a:prstGeom>
+        </p:spPr>
+        <p:txBody>
+          <a:bodyPr wrap="none">
             <a:spAutoFit/>
           </a:bodyPr>
           <a:lstStyle/>
@@ -8618,65 +8606,7 @@
                 <a:latin typeface="Arial" panose="020B0604020202020204" pitchFamily="34" charset="0"/>
                 <a:cs typeface="Arial" panose="020B0604020202020204" pitchFamily="34" charset="0"/>
               </a:rPr>
-              <a:t>Key access for teams table in user mode. </a:t>
-            </a:r>
-          </a:p>
-          <a:p>
-            <a:endParaRPr lang="tr-TR" dirty="0">
-              <a:latin typeface="Arial" panose="020B0604020202020204" pitchFamily="34" charset="0"/>
-              <a:cs typeface="Arial" panose="020B0604020202020204" pitchFamily="34" charset="0"/>
-            </a:endParaRPr>
-          </a:p>
-          <a:p>
-            <a:r>
-              <a:rPr lang="tr-TR" dirty="0">
-                <a:latin typeface="Arial" panose="020B0604020202020204" pitchFamily="34" charset="0"/>
-                <a:cs typeface="Arial" panose="020B0604020202020204" pitchFamily="34" charset="0"/>
-              </a:rPr>
-              <a:t>By clicking name of the team will redirect to this page. </a:t>
-            </a:r>
-          </a:p>
-          <a:p>
-            <a:endParaRPr lang="tr-TR" dirty="0">
-              <a:latin typeface="Arial" panose="020B0604020202020204" pitchFamily="34" charset="0"/>
-              <a:cs typeface="Arial" panose="020B0604020202020204" pitchFamily="34" charset="0"/>
-            </a:endParaRPr>
-          </a:p>
-          <a:p>
-            <a:r>
-              <a:rPr lang="tr-TR" dirty="0">
-                <a:latin typeface="Arial" panose="020B0604020202020204" pitchFamily="34" charset="0"/>
-                <a:cs typeface="Arial" panose="020B0604020202020204" pitchFamily="34" charset="0"/>
-              </a:rPr>
-              <a:t>In this page all team players</a:t>
-            </a:r>
-            <a:r>
-              <a:rPr lang="tr-TR" b="1" dirty="0">
-                <a:latin typeface="Arial" panose="020B0604020202020204" pitchFamily="34" charset="0"/>
-                <a:cs typeface="Arial" panose="020B0604020202020204" pitchFamily="34" charset="0"/>
-              </a:rPr>
-              <a:t>, </a:t>
-            </a:r>
-            <a:r>
-              <a:rPr lang="tr-TR" dirty="0">
-                <a:latin typeface="Arial" panose="020B0604020202020204" pitchFamily="34" charset="0"/>
-                <a:cs typeface="Arial" panose="020B0604020202020204" pitchFamily="34" charset="0"/>
-              </a:rPr>
-              <a:t>stadium</a:t>
-            </a:r>
-            <a:r>
-              <a:rPr lang="tr-TR" b="1" dirty="0">
-                <a:latin typeface="Arial" panose="020B0604020202020204" pitchFamily="34" charset="0"/>
-                <a:cs typeface="Arial" panose="020B0604020202020204" pitchFamily="34" charset="0"/>
-              </a:rPr>
-              <a:t> </a:t>
-            </a:r>
-            <a:r>
-              <a:rPr lang="tr-TR" dirty="0">
-                <a:latin typeface="Arial" panose="020B0604020202020204" pitchFamily="34" charset="0"/>
-                <a:cs typeface="Arial" panose="020B0604020202020204" pitchFamily="34" charset="0"/>
-              </a:rPr>
-              <a:t>of the team, played or unplayed matches and manager of the team will be shown in this page.</a:t>
+              <a:t>Player addding page for developer.</a:t>
             </a:r>
           </a:p>
         </p:txBody>
@@ -8684,7 +8614,7 @@
     </p:spTree>
     <p:extLst>
       <p:ext uri="{BB962C8B-B14F-4D97-AF65-F5344CB8AC3E}">
-        <p14:creationId xmlns:p14="http://schemas.microsoft.com/office/powerpoint/2010/main" val="1900980295"/>
+        <p14:creationId xmlns:p14="http://schemas.microsoft.com/office/powerpoint/2010/main" val="91438096"/>
       </p:ext>
     </p:extLst>
   </p:cSld>
@@ -8733,8 +8663,8 @@
         </p:blipFill>
         <p:spPr>
           <a:xfrm>
-            <a:off x="465992" y="341655"/>
-            <a:ext cx="11726008" cy="5482048"/>
+            <a:off x="896815" y="572288"/>
+            <a:ext cx="10855569" cy="5102802"/>
           </a:xfrm>
           <a:prstGeom prst="rect">
             <a:avLst/>
@@ -8749,15 +8679,15 @@
         </p:nvSpPr>
         <p:spPr>
           <a:xfrm>
-            <a:off x="3280996" y="5823703"/>
-            <a:ext cx="6096000" cy="923330"/>
-          </a:xfrm>
-          <a:prstGeom prst="rect">
-            <a:avLst/>
-          </a:prstGeom>
-        </p:spPr>
-        <p:txBody>
-          <a:bodyPr>
+            <a:off x="4250954" y="5908403"/>
+            <a:ext cx="4147289" cy="369332"/>
+          </a:xfrm>
+          <a:prstGeom prst="rect">
+            <a:avLst/>
+          </a:prstGeom>
+        </p:spPr>
+        <p:txBody>
+          <a:bodyPr wrap="none">
             <a:spAutoFit/>
           </a:bodyPr>
           <a:lstStyle/>
@@ -8767,7 +8697,7 @@
                 <a:latin typeface="Arial" panose="020B0604020202020204" pitchFamily="34" charset="0"/>
                 <a:cs typeface="Arial" panose="020B0604020202020204" pitchFamily="34" charset="0"/>
               </a:rPr>
-              <a:t>After logging in, the developer can see all teams in this page by clicking the ‘See All Teams’ button. Developer can delete and update the teams.</a:t>
+              <a:t>Manager addding page for developer.</a:t>
             </a:r>
           </a:p>
         </p:txBody>
@@ -8775,7 +8705,7 @@
     </p:spTree>
     <p:extLst>
       <p:ext uri="{BB962C8B-B14F-4D97-AF65-F5344CB8AC3E}">
-        <p14:creationId xmlns:p14="http://schemas.microsoft.com/office/powerpoint/2010/main" val="1509745709"/>
+        <p14:creationId xmlns:p14="http://schemas.microsoft.com/office/powerpoint/2010/main" val="2369187387"/>
       </p:ext>
     </p:extLst>
   </p:cSld>
@@ -8810,7 +8740,7 @@
           </p:cNvPicPr>
           <p:nvPr/>
         </p:nvPicPr>
-        <p:blipFill rotWithShape="1">
+        <p:blipFill>
           <a:blip r:embed="rId2">
             <a:extLst>
               <a:ext uri="{28A0092B-C50C-407E-A947-70E740481C1C}">
@@ -8818,13 +8748,14 @@
               </a:ext>
             </a:extLst>
           </a:blip>
-          <a:srcRect t="7821"/>
-          <a:stretch/>
+          <a:stretch>
+            <a:fillRect/>
+          </a:stretch>
         </p:blipFill>
         <p:spPr>
           <a:xfrm>
-            <a:off x="456924" y="0"/>
-            <a:ext cx="7904561" cy="6858000"/>
+            <a:off x="949569" y="756286"/>
+            <a:ext cx="10811608" cy="4350371"/>
           </a:xfrm>
           <a:prstGeom prst="rect">
             <a:avLst/>
@@ -8839,15 +8770,15 @@
         </p:nvSpPr>
         <p:spPr>
           <a:xfrm>
-            <a:off x="8502163" y="1582340"/>
-            <a:ext cx="3248038" cy="3970318"/>
-          </a:xfrm>
-          <a:prstGeom prst="rect">
-            <a:avLst/>
-          </a:prstGeom>
-        </p:spPr>
-        <p:txBody>
-          <a:bodyPr wrap="square">
+            <a:off x="4512561" y="5565504"/>
+            <a:ext cx="3685624" cy="369332"/>
+          </a:xfrm>
+          <a:prstGeom prst="rect">
+            <a:avLst/>
+          </a:prstGeom>
+        </p:spPr>
+        <p:txBody>
+          <a:bodyPr wrap="none">
             <a:spAutoFit/>
           </a:bodyPr>
           <a:lstStyle/>
@@ -8857,80 +8788,7 @@
                 <a:latin typeface="Arial" panose="020B0604020202020204" pitchFamily="34" charset="0"/>
                 <a:cs typeface="Arial" panose="020B0604020202020204" pitchFamily="34" charset="0"/>
               </a:rPr>
-              <a:t>Key access for teams table in developer mode. </a:t>
-            </a:r>
-          </a:p>
-          <a:p>
-            <a:endParaRPr lang="tr-TR" dirty="0">
-              <a:latin typeface="Arial" panose="020B0604020202020204" pitchFamily="34" charset="0"/>
-              <a:cs typeface="Arial" panose="020B0604020202020204" pitchFamily="34" charset="0"/>
-            </a:endParaRPr>
-          </a:p>
-          <a:p>
-            <a:r>
-              <a:rPr lang="tr-TR" dirty="0">
-                <a:latin typeface="Arial" panose="020B0604020202020204" pitchFamily="34" charset="0"/>
-                <a:cs typeface="Arial" panose="020B0604020202020204" pitchFamily="34" charset="0"/>
-              </a:rPr>
-              <a:t>After loggining in, by clicking name of the team will redirect to this page. </a:t>
-            </a:r>
-          </a:p>
-          <a:p>
-            <a:endParaRPr lang="tr-TR" dirty="0">
-              <a:latin typeface="Arial" panose="020B0604020202020204" pitchFamily="34" charset="0"/>
-              <a:cs typeface="Arial" panose="020B0604020202020204" pitchFamily="34" charset="0"/>
-            </a:endParaRPr>
-          </a:p>
-          <a:p>
-            <a:r>
-              <a:rPr lang="tr-TR" dirty="0">
-                <a:latin typeface="Arial" panose="020B0604020202020204" pitchFamily="34" charset="0"/>
-                <a:cs typeface="Arial" panose="020B0604020202020204" pitchFamily="34" charset="0"/>
-              </a:rPr>
-              <a:t>In this page all team players</a:t>
-            </a:r>
-            <a:r>
-              <a:rPr lang="tr-TR" b="1" dirty="0">
-                <a:latin typeface="Arial" panose="020B0604020202020204" pitchFamily="34" charset="0"/>
-                <a:cs typeface="Arial" panose="020B0604020202020204" pitchFamily="34" charset="0"/>
-              </a:rPr>
-              <a:t>, </a:t>
-            </a:r>
-            <a:r>
-              <a:rPr lang="tr-TR" dirty="0">
-                <a:latin typeface="Arial" panose="020B0604020202020204" pitchFamily="34" charset="0"/>
-                <a:cs typeface="Arial" panose="020B0604020202020204" pitchFamily="34" charset="0"/>
-              </a:rPr>
-              <a:t>stadium</a:t>
-            </a:r>
-            <a:r>
-              <a:rPr lang="tr-TR" b="1" dirty="0">
-                <a:latin typeface="Arial" panose="020B0604020202020204" pitchFamily="34" charset="0"/>
-                <a:cs typeface="Arial" panose="020B0604020202020204" pitchFamily="34" charset="0"/>
-              </a:rPr>
-              <a:t> </a:t>
-            </a:r>
-            <a:r>
-              <a:rPr lang="tr-TR" dirty="0">
-                <a:latin typeface="Arial" panose="020B0604020202020204" pitchFamily="34" charset="0"/>
-                <a:cs typeface="Arial" panose="020B0604020202020204" pitchFamily="34" charset="0"/>
-              </a:rPr>
-              <a:t>of the team, played or unplayed matches and manager of the team will be shown in this page.</a:t>
-            </a:r>
-          </a:p>
-          <a:p>
-            <a:endParaRPr lang="tr-TR" dirty="0">
-              <a:latin typeface="Arial" panose="020B0604020202020204" pitchFamily="34" charset="0"/>
-              <a:cs typeface="Arial" panose="020B0604020202020204" pitchFamily="34" charset="0"/>
-            </a:endParaRPr>
-          </a:p>
-          <a:p>
-            <a:r>
-              <a:rPr lang="tr-TR" dirty="0">
-                <a:latin typeface="Arial" panose="020B0604020202020204" pitchFamily="34" charset="0"/>
-                <a:cs typeface="Arial" panose="020B0604020202020204" pitchFamily="34" charset="0"/>
-              </a:rPr>
-              <a:t>All buttons works properly.</a:t>
+              <a:t>Goal addding page for developer.</a:t>
             </a:r>
           </a:p>
         </p:txBody>
@@ -8938,7 +8796,7 @@
     </p:spTree>
     <p:extLst>
       <p:ext uri="{BB962C8B-B14F-4D97-AF65-F5344CB8AC3E}">
-        <p14:creationId xmlns:p14="http://schemas.microsoft.com/office/powerpoint/2010/main" val="4237195425"/>
+        <p14:creationId xmlns:p14="http://schemas.microsoft.com/office/powerpoint/2010/main" val="936264532"/>
       </p:ext>
     </p:extLst>
   </p:cSld>
@@ -8965,36 +8823,6 @@
           <a:chExt cx="0" cy="0"/>
         </a:xfrm>
       </p:grpSpPr>
-      <p:pic>
-        <p:nvPicPr>
-          <p:cNvPr id="2" name="Picture 1"/>
-          <p:cNvPicPr>
-            <a:picLocks noChangeAspect="1"/>
-          </p:cNvPicPr>
-          <p:nvPr/>
-        </p:nvPicPr>
-        <p:blipFill>
-          <a:blip r:embed="rId3">
-            <a:extLst>
-              <a:ext uri="{28A0092B-C50C-407E-A947-70E740481C1C}">
-                <a14:useLocalDpi xmlns:a14="http://schemas.microsoft.com/office/drawing/2010/main" val="0"/>
-              </a:ext>
-            </a:extLst>
-          </a:blip>
-          <a:stretch>
-            <a:fillRect/>
-          </a:stretch>
-        </p:blipFill>
-        <p:spPr>
-          <a:xfrm>
-            <a:off x="457200" y="157739"/>
-            <a:ext cx="11734800" cy="5721722"/>
-          </a:xfrm>
-          <a:prstGeom prst="rect">
-            <a:avLst/>
-          </a:prstGeom>
-        </p:spPr>
-      </p:pic>
       <p:sp>
         <p:nvSpPr>
           <p:cNvPr id="3" name="Rectangle 2"/>
@@ -9003,15 +8831,15 @@
         </p:nvSpPr>
         <p:spPr>
           <a:xfrm>
-            <a:off x="3276600" y="6042466"/>
-            <a:ext cx="6096000" cy="646331"/>
-          </a:xfrm>
-          <a:prstGeom prst="rect">
-            <a:avLst/>
-          </a:prstGeom>
-        </p:spPr>
-        <p:txBody>
-          <a:bodyPr>
+            <a:off x="8452338" y="986889"/>
+            <a:ext cx="3557954" cy="2862322"/>
+          </a:xfrm>
+          <a:prstGeom prst="rect">
+            <a:avLst/>
+          </a:prstGeom>
+        </p:spPr>
+        <p:txBody>
+          <a:bodyPr wrap="square">
             <a:spAutoFit/>
           </a:bodyPr>
           <a:lstStyle/>
@@ -9021,68 +8849,22 @@
                 <a:latin typeface="Arial" panose="020B0604020202020204" pitchFamily="34" charset="0"/>
                 <a:cs typeface="Arial" panose="020B0604020202020204" pitchFamily="34" charset="0"/>
               </a:rPr>
-              <a:t>The user can see top goal player in this page by clicking the ‘See Top Goal’ button.</a:t>
-            </a:r>
-          </a:p>
-        </p:txBody>
-      </p:sp>
-    </p:spTree>
-    <p:extLst>
-      <p:ext uri="{BB962C8B-B14F-4D97-AF65-F5344CB8AC3E}">
-        <p14:creationId xmlns:p14="http://schemas.microsoft.com/office/powerpoint/2010/main" val="4181111302"/>
-      </p:ext>
-    </p:extLst>
-  </p:cSld>
-  <p:clrMapOvr>
-    <a:masterClrMapping/>
-  </p:clrMapOvr>
-</p:sld>
-</file>
-
-<file path=ppt/slides/slide49.xml><?xml version="1.0" encoding="utf-8"?>
-<p:sld xmlns:a="http://schemas.openxmlformats.org/drawingml/2006/main" xmlns:r="http://schemas.openxmlformats.org/officeDocument/2006/relationships" xmlns:p="http://schemas.openxmlformats.org/presentationml/2006/main">
-  <p:cSld>
-    <p:spTree>
-      <p:nvGrpSpPr>
-        <p:cNvPr id="1" name=""/>
-        <p:cNvGrpSpPr/>
-        <p:nvPr/>
-      </p:nvGrpSpPr>
-      <p:grpSpPr>
-        <a:xfrm>
-          <a:off x="0" y="0"/>
-          <a:ext cx="0" cy="0"/>
-          <a:chOff x="0" y="0"/>
-          <a:chExt cx="0" cy="0"/>
-        </a:xfrm>
-      </p:grpSpPr>
-      <p:sp>
-        <p:nvSpPr>
-          <p:cNvPr id="2" name="Rectangle 1"/>
-          <p:cNvSpPr/>
-          <p:nvPr/>
-        </p:nvSpPr>
-        <p:spPr>
-          <a:xfrm>
-            <a:off x="8970699" y="1417713"/>
-            <a:ext cx="3153893" cy="3139321"/>
-          </a:xfrm>
-          <a:prstGeom prst="rect">
-            <a:avLst/>
-          </a:prstGeom>
-        </p:spPr>
-        <p:txBody>
-          <a:bodyPr wrap="square">
-            <a:spAutoFit/>
-          </a:bodyPr>
-          <a:lstStyle/>
+              <a:t>After logging in, the developer can start and control the match by clicking the ‘Live button’ in fixture table.</a:t>
+            </a:r>
+          </a:p>
+          <a:p>
+            <a:endParaRPr lang="tr-TR" dirty="0">
+              <a:latin typeface="Arial" panose="020B0604020202020204" pitchFamily="34" charset="0"/>
+              <a:cs typeface="Arial" panose="020B0604020202020204" pitchFamily="34" charset="0"/>
+            </a:endParaRPr>
+          </a:p>
           <a:p>
             <a:r>
               <a:rPr lang="tr-TR" dirty="0">
                 <a:latin typeface="Arial" panose="020B0604020202020204" pitchFamily="34" charset="0"/>
                 <a:cs typeface="Arial" panose="020B0604020202020204" pitchFamily="34" charset="0"/>
               </a:rPr>
-              <a:t>The user can see detailed match information in this page by clicking the ‘Finished or Live buttons in the fixture page.</a:t>
+              <a:t>Developer can add detail, goal, assist and statistic via this page.</a:t>
             </a:r>
           </a:p>
           <a:p>
@@ -9097,7 +8879,7 @@
                 <a:latin typeface="Arial" panose="020B0604020202020204" pitchFamily="34" charset="0"/>
                 <a:cs typeface="Arial" panose="020B0604020202020204" pitchFamily="34" charset="0"/>
               </a:rPr>
-              <a:t>If any new information is updated by developer in the live match page, and if the user refresh this page, user can see new informations.</a:t>
+              <a:t>Each teams’ players are shown in this page.</a:t>
             </a:r>
           </a:p>
         </p:txBody>
@@ -9124,8 +8906,8 @@
         </p:blipFill>
         <p:spPr>
           <a:xfrm>
-            <a:off x="451724" y="0"/>
-            <a:ext cx="8422260" cy="6858000"/>
+            <a:off x="450715" y="0"/>
+            <a:ext cx="7650553" cy="6858000"/>
           </a:xfrm>
           <a:prstGeom prst="rect">
             <a:avLst/>
@@ -9135,7 +8917,7 @@
     </p:spTree>
     <p:extLst>
       <p:ext uri="{BB962C8B-B14F-4D97-AF65-F5344CB8AC3E}">
-        <p14:creationId xmlns:p14="http://schemas.microsoft.com/office/powerpoint/2010/main" val="2905879302"/>
+        <p14:creationId xmlns:p14="http://schemas.microsoft.com/office/powerpoint/2010/main" val="206020193"/>
       </p:ext>
     </p:extLst>
   </p:cSld>
@@ -9253,859 +9035,6 @@
     <p:extLst>
       <p:ext uri="{BB962C8B-B14F-4D97-AF65-F5344CB8AC3E}">
         <p14:creationId xmlns:p14="http://schemas.microsoft.com/office/powerpoint/2010/main" val="1630966126"/>
-      </p:ext>
-    </p:extLst>
-  </p:cSld>
-  <p:clrMapOvr>
-    <a:masterClrMapping/>
-  </p:clrMapOvr>
-</p:sld>
-</file>
-
-<file path=ppt/slides/slide50.xml><?xml version="1.0" encoding="utf-8"?>
-<p:sld xmlns:a="http://schemas.openxmlformats.org/drawingml/2006/main" xmlns:r="http://schemas.openxmlformats.org/officeDocument/2006/relationships" xmlns:p="http://schemas.openxmlformats.org/presentationml/2006/main">
-  <p:cSld>
-    <p:spTree>
-      <p:nvGrpSpPr>
-        <p:cNvPr id="1" name=""/>
-        <p:cNvGrpSpPr/>
-        <p:nvPr/>
-      </p:nvGrpSpPr>
-      <p:grpSpPr>
-        <a:xfrm>
-          <a:off x="0" y="0"/>
-          <a:ext cx="0" cy="0"/>
-          <a:chOff x="0" y="0"/>
-          <a:chExt cx="0" cy="0"/>
-        </a:xfrm>
-      </p:grpSpPr>
-      <p:pic>
-        <p:nvPicPr>
-          <p:cNvPr id="2" name="Picture 1"/>
-          <p:cNvPicPr>
-            <a:picLocks noChangeAspect="1"/>
-          </p:cNvPicPr>
-          <p:nvPr/>
-        </p:nvPicPr>
-        <p:blipFill>
-          <a:blip r:embed="rId2">
-            <a:extLst>
-              <a:ext uri="{28A0092B-C50C-407E-A947-70E740481C1C}">
-                <a14:useLocalDpi xmlns:a14="http://schemas.microsoft.com/office/drawing/2010/main" val="0"/>
-              </a:ext>
-            </a:extLst>
-          </a:blip>
-          <a:stretch>
-            <a:fillRect/>
-          </a:stretch>
-        </p:blipFill>
-        <p:spPr>
-          <a:xfrm>
-            <a:off x="641839" y="286198"/>
-            <a:ext cx="11057792" cy="5286193"/>
-          </a:xfrm>
-          <a:prstGeom prst="rect">
-            <a:avLst/>
-          </a:prstGeom>
-        </p:spPr>
-      </p:pic>
-      <p:sp>
-        <p:nvSpPr>
-          <p:cNvPr id="3" name="Rectangle 2"/>
-          <p:cNvSpPr/>
-          <p:nvPr/>
-        </p:nvSpPr>
-        <p:spPr>
-          <a:xfrm>
-            <a:off x="4274222" y="5899611"/>
-            <a:ext cx="3793026" cy="369332"/>
-          </a:xfrm>
-          <a:prstGeom prst="rect">
-            <a:avLst/>
-          </a:prstGeom>
-        </p:spPr>
-        <p:txBody>
-          <a:bodyPr wrap="none">
-            <a:spAutoFit/>
-          </a:bodyPr>
-          <a:lstStyle/>
-          <a:p>
-            <a:r>
-              <a:rPr lang="tr-TR" dirty="0">
-                <a:latin typeface="Arial" panose="020B0604020202020204" pitchFamily="34" charset="0"/>
-                <a:cs typeface="Arial" panose="020B0604020202020204" pitchFamily="34" charset="0"/>
-              </a:rPr>
-              <a:t>Team addding page for developer.</a:t>
-            </a:r>
-          </a:p>
-        </p:txBody>
-      </p:sp>
-    </p:spTree>
-    <p:extLst>
-      <p:ext uri="{BB962C8B-B14F-4D97-AF65-F5344CB8AC3E}">
-        <p14:creationId xmlns:p14="http://schemas.microsoft.com/office/powerpoint/2010/main" val="4015451514"/>
-      </p:ext>
-    </p:extLst>
-  </p:cSld>
-  <p:clrMapOvr>
-    <a:masterClrMapping/>
-  </p:clrMapOvr>
-</p:sld>
-</file>
-
-<file path=ppt/slides/slide51.xml><?xml version="1.0" encoding="utf-8"?>
-<p:sld xmlns:a="http://schemas.openxmlformats.org/drawingml/2006/main" xmlns:r="http://schemas.openxmlformats.org/officeDocument/2006/relationships" xmlns:p="http://schemas.openxmlformats.org/presentationml/2006/main">
-  <p:cSld>
-    <p:spTree>
-      <p:nvGrpSpPr>
-        <p:cNvPr id="1" name=""/>
-        <p:cNvGrpSpPr/>
-        <p:nvPr/>
-      </p:nvGrpSpPr>
-      <p:grpSpPr>
-        <a:xfrm>
-          <a:off x="0" y="0"/>
-          <a:ext cx="0" cy="0"/>
-          <a:chOff x="0" y="0"/>
-          <a:chExt cx="0" cy="0"/>
-        </a:xfrm>
-      </p:grpSpPr>
-      <p:pic>
-        <p:nvPicPr>
-          <p:cNvPr id="2" name="Picture 1"/>
-          <p:cNvPicPr>
-            <a:picLocks noChangeAspect="1"/>
-          </p:cNvPicPr>
-          <p:nvPr/>
-        </p:nvPicPr>
-        <p:blipFill>
-          <a:blip r:embed="rId2">
-            <a:extLst>
-              <a:ext uri="{28A0092B-C50C-407E-A947-70E740481C1C}">
-                <a14:useLocalDpi xmlns:a14="http://schemas.microsoft.com/office/drawing/2010/main" val="0"/>
-              </a:ext>
-            </a:extLst>
-          </a:blip>
-          <a:stretch>
-            <a:fillRect/>
-          </a:stretch>
-        </p:blipFill>
-        <p:spPr>
-          <a:xfrm>
-            <a:off x="1063869" y="680387"/>
-            <a:ext cx="10415954" cy="4726474"/>
-          </a:xfrm>
-          <a:prstGeom prst="rect">
-            <a:avLst/>
-          </a:prstGeom>
-        </p:spPr>
-      </p:pic>
-      <p:sp>
-        <p:nvSpPr>
-          <p:cNvPr id="3" name="Rectangle 2"/>
-          <p:cNvSpPr/>
-          <p:nvPr/>
-        </p:nvSpPr>
-        <p:spPr>
-          <a:xfrm>
-            <a:off x="4437049" y="5758934"/>
-            <a:ext cx="3669594" cy="369332"/>
-          </a:xfrm>
-          <a:prstGeom prst="rect">
-            <a:avLst/>
-          </a:prstGeom>
-        </p:spPr>
-        <p:txBody>
-          <a:bodyPr wrap="none">
-            <a:spAutoFit/>
-          </a:bodyPr>
-          <a:lstStyle/>
-          <a:p>
-            <a:r>
-              <a:rPr lang="en-US" dirty="0">
-                <a:latin typeface="Arial" panose="020B0604020202020204" pitchFamily="34" charset="0"/>
-                <a:cs typeface="Arial" panose="020B0604020202020204" pitchFamily="34" charset="0"/>
-              </a:rPr>
-              <a:t>Team update page for developer.</a:t>
-            </a:r>
-            <a:endParaRPr lang="tr-TR" dirty="0">
-              <a:latin typeface="Arial" panose="020B0604020202020204" pitchFamily="34" charset="0"/>
-              <a:cs typeface="Arial" panose="020B0604020202020204" pitchFamily="34" charset="0"/>
-            </a:endParaRPr>
-          </a:p>
-        </p:txBody>
-      </p:sp>
-    </p:spTree>
-    <p:extLst>
-      <p:ext uri="{BB962C8B-B14F-4D97-AF65-F5344CB8AC3E}">
-        <p14:creationId xmlns:p14="http://schemas.microsoft.com/office/powerpoint/2010/main" val="3031833991"/>
-      </p:ext>
-    </p:extLst>
-  </p:cSld>
-  <p:clrMapOvr>
-    <a:masterClrMapping/>
-  </p:clrMapOvr>
-</p:sld>
-</file>
-
-<file path=ppt/slides/slide52.xml><?xml version="1.0" encoding="utf-8"?>
-<p:sld xmlns:a="http://schemas.openxmlformats.org/drawingml/2006/main" xmlns:r="http://schemas.openxmlformats.org/officeDocument/2006/relationships" xmlns:p="http://schemas.openxmlformats.org/presentationml/2006/main">
-  <p:cSld>
-    <p:spTree>
-      <p:nvGrpSpPr>
-        <p:cNvPr id="1" name=""/>
-        <p:cNvGrpSpPr/>
-        <p:nvPr/>
-      </p:nvGrpSpPr>
-      <p:grpSpPr>
-        <a:xfrm>
-          <a:off x="0" y="0"/>
-          <a:ext cx="0" cy="0"/>
-          <a:chOff x="0" y="0"/>
-          <a:chExt cx="0" cy="0"/>
-        </a:xfrm>
-      </p:grpSpPr>
-      <p:pic>
-        <p:nvPicPr>
-          <p:cNvPr id="2" name="Picture 1"/>
-          <p:cNvPicPr>
-            <a:picLocks noChangeAspect="1"/>
-          </p:cNvPicPr>
-          <p:nvPr/>
-        </p:nvPicPr>
-        <p:blipFill>
-          <a:blip r:embed="rId2">
-            <a:extLst>
-              <a:ext uri="{28A0092B-C50C-407E-A947-70E740481C1C}">
-                <a14:useLocalDpi xmlns:a14="http://schemas.microsoft.com/office/drawing/2010/main" val="0"/>
-              </a:ext>
-            </a:extLst>
-          </a:blip>
-          <a:stretch>
-            <a:fillRect/>
-          </a:stretch>
-        </p:blipFill>
-        <p:spPr>
-          <a:xfrm>
-            <a:off x="949568" y="421957"/>
-            <a:ext cx="10732477" cy="5139336"/>
-          </a:xfrm>
-          <a:prstGeom prst="rect">
-            <a:avLst/>
-          </a:prstGeom>
-        </p:spPr>
-      </p:pic>
-      <p:sp>
-        <p:nvSpPr>
-          <p:cNvPr id="3" name="Rectangle 2"/>
-          <p:cNvSpPr/>
-          <p:nvPr/>
-        </p:nvSpPr>
-        <p:spPr>
-          <a:xfrm>
-            <a:off x="4372806" y="5855649"/>
-            <a:ext cx="3886000" cy="369332"/>
-          </a:xfrm>
-          <a:prstGeom prst="rect">
-            <a:avLst/>
-          </a:prstGeom>
-        </p:spPr>
-        <p:txBody>
-          <a:bodyPr wrap="none">
-            <a:spAutoFit/>
-          </a:bodyPr>
-          <a:lstStyle/>
-          <a:p>
-            <a:r>
-              <a:rPr lang="tr-TR" dirty="0">
-                <a:latin typeface="Arial" panose="020B0604020202020204" pitchFamily="34" charset="0"/>
-                <a:cs typeface="Arial" panose="020B0604020202020204" pitchFamily="34" charset="0"/>
-              </a:rPr>
-              <a:t>Player addding page for developer.</a:t>
-            </a:r>
-          </a:p>
-        </p:txBody>
-      </p:sp>
-    </p:spTree>
-    <p:extLst>
-      <p:ext uri="{BB962C8B-B14F-4D97-AF65-F5344CB8AC3E}">
-        <p14:creationId xmlns:p14="http://schemas.microsoft.com/office/powerpoint/2010/main" val="91438096"/>
-      </p:ext>
-    </p:extLst>
-  </p:cSld>
-  <p:clrMapOvr>
-    <a:masterClrMapping/>
-  </p:clrMapOvr>
-</p:sld>
-</file>
-
-<file path=ppt/slides/slide53.xml><?xml version="1.0" encoding="utf-8"?>
-<p:sld xmlns:a="http://schemas.openxmlformats.org/drawingml/2006/main" xmlns:r="http://schemas.openxmlformats.org/officeDocument/2006/relationships" xmlns:p="http://schemas.openxmlformats.org/presentationml/2006/main">
-  <p:cSld>
-    <p:spTree>
-      <p:nvGrpSpPr>
-        <p:cNvPr id="1" name=""/>
-        <p:cNvGrpSpPr/>
-        <p:nvPr/>
-      </p:nvGrpSpPr>
-      <p:grpSpPr>
-        <a:xfrm>
-          <a:off x="0" y="0"/>
-          <a:ext cx="0" cy="0"/>
-          <a:chOff x="0" y="0"/>
-          <a:chExt cx="0" cy="0"/>
-        </a:xfrm>
-      </p:grpSpPr>
-      <p:pic>
-        <p:nvPicPr>
-          <p:cNvPr id="2" name="Picture 1"/>
-          <p:cNvPicPr>
-            <a:picLocks noChangeAspect="1"/>
-          </p:cNvPicPr>
-          <p:nvPr/>
-        </p:nvPicPr>
-        <p:blipFill>
-          <a:blip r:embed="rId2">
-            <a:extLst>
-              <a:ext uri="{28A0092B-C50C-407E-A947-70E740481C1C}">
-                <a14:useLocalDpi xmlns:a14="http://schemas.microsoft.com/office/drawing/2010/main" val="0"/>
-              </a:ext>
-            </a:extLst>
-          </a:blip>
-          <a:stretch>
-            <a:fillRect/>
-          </a:stretch>
-        </p:blipFill>
-        <p:spPr>
-          <a:xfrm>
-            <a:off x="624253" y="233551"/>
-            <a:ext cx="11339146" cy="5567688"/>
-          </a:xfrm>
-          <a:prstGeom prst="rect">
-            <a:avLst/>
-          </a:prstGeom>
-        </p:spPr>
-      </p:pic>
-      <p:sp>
-        <p:nvSpPr>
-          <p:cNvPr id="3" name="Rectangle 2"/>
-          <p:cNvSpPr/>
-          <p:nvPr/>
-        </p:nvSpPr>
-        <p:spPr>
-          <a:xfrm>
-            <a:off x="4412542" y="5978742"/>
-            <a:ext cx="3762568" cy="369332"/>
-          </a:xfrm>
-          <a:prstGeom prst="rect">
-            <a:avLst/>
-          </a:prstGeom>
-        </p:spPr>
-        <p:txBody>
-          <a:bodyPr wrap="none">
-            <a:spAutoFit/>
-          </a:bodyPr>
-          <a:lstStyle/>
-          <a:p>
-            <a:r>
-              <a:rPr lang="tr-TR" dirty="0">
-                <a:latin typeface="Arial" panose="020B0604020202020204" pitchFamily="34" charset="0"/>
-                <a:cs typeface="Arial" panose="020B0604020202020204" pitchFamily="34" charset="0"/>
-              </a:rPr>
-              <a:t>Player update page for developer.</a:t>
-            </a:r>
-          </a:p>
-        </p:txBody>
-      </p:sp>
-    </p:spTree>
-    <p:extLst>
-      <p:ext uri="{BB962C8B-B14F-4D97-AF65-F5344CB8AC3E}">
-        <p14:creationId xmlns:p14="http://schemas.microsoft.com/office/powerpoint/2010/main" val="4197395814"/>
-      </p:ext>
-    </p:extLst>
-  </p:cSld>
-  <p:clrMapOvr>
-    <a:masterClrMapping/>
-  </p:clrMapOvr>
-</p:sld>
-</file>
-
-<file path=ppt/slides/slide54.xml><?xml version="1.0" encoding="utf-8"?>
-<p:sld xmlns:a="http://schemas.openxmlformats.org/drawingml/2006/main" xmlns:r="http://schemas.openxmlformats.org/officeDocument/2006/relationships" xmlns:p="http://schemas.openxmlformats.org/presentationml/2006/main">
-  <p:cSld>
-    <p:spTree>
-      <p:nvGrpSpPr>
-        <p:cNvPr id="1" name=""/>
-        <p:cNvGrpSpPr/>
-        <p:nvPr/>
-      </p:nvGrpSpPr>
-      <p:grpSpPr>
-        <a:xfrm>
-          <a:off x="0" y="0"/>
-          <a:ext cx="0" cy="0"/>
-          <a:chOff x="0" y="0"/>
-          <a:chExt cx="0" cy="0"/>
-        </a:xfrm>
-      </p:grpSpPr>
-      <p:pic>
-        <p:nvPicPr>
-          <p:cNvPr id="2" name="Picture 1"/>
-          <p:cNvPicPr>
-            <a:picLocks noChangeAspect="1"/>
-          </p:cNvPicPr>
-          <p:nvPr/>
-        </p:nvPicPr>
-        <p:blipFill>
-          <a:blip r:embed="rId2">
-            <a:extLst>
-              <a:ext uri="{28A0092B-C50C-407E-A947-70E740481C1C}">
-                <a14:useLocalDpi xmlns:a14="http://schemas.microsoft.com/office/drawing/2010/main" val="0"/>
-              </a:ext>
-            </a:extLst>
-          </a:blip>
-          <a:stretch>
-            <a:fillRect/>
-          </a:stretch>
-        </p:blipFill>
-        <p:spPr>
-          <a:xfrm>
-            <a:off x="896815" y="572288"/>
-            <a:ext cx="10855569" cy="5102802"/>
-          </a:xfrm>
-          <a:prstGeom prst="rect">
-            <a:avLst/>
-          </a:prstGeom>
-        </p:spPr>
-      </p:pic>
-      <p:sp>
-        <p:nvSpPr>
-          <p:cNvPr id="3" name="Rectangle 2"/>
-          <p:cNvSpPr/>
-          <p:nvPr/>
-        </p:nvSpPr>
-        <p:spPr>
-          <a:xfrm>
-            <a:off x="4250954" y="5908403"/>
-            <a:ext cx="4147289" cy="369332"/>
-          </a:xfrm>
-          <a:prstGeom prst="rect">
-            <a:avLst/>
-          </a:prstGeom>
-        </p:spPr>
-        <p:txBody>
-          <a:bodyPr wrap="none">
-            <a:spAutoFit/>
-          </a:bodyPr>
-          <a:lstStyle/>
-          <a:p>
-            <a:r>
-              <a:rPr lang="tr-TR" dirty="0">
-                <a:latin typeface="Arial" panose="020B0604020202020204" pitchFamily="34" charset="0"/>
-                <a:cs typeface="Arial" panose="020B0604020202020204" pitchFamily="34" charset="0"/>
-              </a:rPr>
-              <a:t>Manager addding page for developer.</a:t>
-            </a:r>
-          </a:p>
-        </p:txBody>
-      </p:sp>
-    </p:spTree>
-    <p:extLst>
-      <p:ext uri="{BB962C8B-B14F-4D97-AF65-F5344CB8AC3E}">
-        <p14:creationId xmlns:p14="http://schemas.microsoft.com/office/powerpoint/2010/main" val="2369187387"/>
-      </p:ext>
-    </p:extLst>
-  </p:cSld>
-  <p:clrMapOvr>
-    <a:masterClrMapping/>
-  </p:clrMapOvr>
-</p:sld>
-</file>
-
-<file path=ppt/slides/slide55.xml><?xml version="1.0" encoding="utf-8"?>
-<p:sld xmlns:a="http://schemas.openxmlformats.org/drawingml/2006/main" xmlns:r="http://schemas.openxmlformats.org/officeDocument/2006/relationships" xmlns:p="http://schemas.openxmlformats.org/presentationml/2006/main">
-  <p:cSld>
-    <p:spTree>
-      <p:nvGrpSpPr>
-        <p:cNvPr id="1" name=""/>
-        <p:cNvGrpSpPr/>
-        <p:nvPr/>
-      </p:nvGrpSpPr>
-      <p:grpSpPr>
-        <a:xfrm>
-          <a:off x="0" y="0"/>
-          <a:ext cx="0" cy="0"/>
-          <a:chOff x="0" y="0"/>
-          <a:chExt cx="0" cy="0"/>
-        </a:xfrm>
-      </p:grpSpPr>
-      <p:pic>
-        <p:nvPicPr>
-          <p:cNvPr id="2" name="Picture 1"/>
-          <p:cNvPicPr>
-            <a:picLocks noChangeAspect="1"/>
-          </p:cNvPicPr>
-          <p:nvPr/>
-        </p:nvPicPr>
-        <p:blipFill>
-          <a:blip r:embed="rId2">
-            <a:extLst>
-              <a:ext uri="{28A0092B-C50C-407E-A947-70E740481C1C}">
-                <a14:useLocalDpi xmlns:a14="http://schemas.microsoft.com/office/drawing/2010/main" val="0"/>
-              </a:ext>
-            </a:extLst>
-          </a:blip>
-          <a:stretch>
-            <a:fillRect/>
-          </a:stretch>
-        </p:blipFill>
-        <p:spPr>
-          <a:xfrm>
-            <a:off x="1025256" y="552919"/>
-            <a:ext cx="10656791" cy="4889520"/>
-          </a:xfrm>
-          <a:prstGeom prst="rect">
-            <a:avLst/>
-          </a:prstGeom>
-        </p:spPr>
-      </p:pic>
-      <p:sp>
-        <p:nvSpPr>
-          <p:cNvPr id="3" name="Rectangle 2"/>
-          <p:cNvSpPr/>
-          <p:nvPr/>
-        </p:nvSpPr>
-        <p:spPr>
-          <a:xfrm>
-            <a:off x="4341722" y="5758934"/>
-            <a:ext cx="4023858" cy="369332"/>
-          </a:xfrm>
-          <a:prstGeom prst="rect">
-            <a:avLst/>
-          </a:prstGeom>
-        </p:spPr>
-        <p:txBody>
-          <a:bodyPr wrap="none">
-            <a:spAutoFit/>
-          </a:bodyPr>
-          <a:lstStyle/>
-          <a:p>
-            <a:r>
-              <a:rPr lang="tr-TR" dirty="0">
-                <a:latin typeface="Arial" panose="020B0604020202020204" pitchFamily="34" charset="0"/>
-                <a:cs typeface="Arial" panose="020B0604020202020204" pitchFamily="34" charset="0"/>
-              </a:rPr>
-              <a:t>Manager update page for developer.</a:t>
-            </a:r>
-          </a:p>
-        </p:txBody>
-      </p:sp>
-    </p:spTree>
-    <p:extLst>
-      <p:ext uri="{BB962C8B-B14F-4D97-AF65-F5344CB8AC3E}">
-        <p14:creationId xmlns:p14="http://schemas.microsoft.com/office/powerpoint/2010/main" val="2239434673"/>
-      </p:ext>
-    </p:extLst>
-  </p:cSld>
-  <p:clrMapOvr>
-    <a:masterClrMapping/>
-  </p:clrMapOvr>
-</p:sld>
-</file>
-
-<file path=ppt/slides/slide56.xml><?xml version="1.0" encoding="utf-8"?>
-<p:sld xmlns:a="http://schemas.openxmlformats.org/drawingml/2006/main" xmlns:r="http://schemas.openxmlformats.org/officeDocument/2006/relationships" xmlns:p="http://schemas.openxmlformats.org/presentationml/2006/main">
-  <p:cSld>
-    <p:spTree>
-      <p:nvGrpSpPr>
-        <p:cNvPr id="1" name=""/>
-        <p:cNvGrpSpPr/>
-        <p:nvPr/>
-      </p:nvGrpSpPr>
-      <p:grpSpPr>
-        <a:xfrm>
-          <a:off x="0" y="0"/>
-          <a:ext cx="0" cy="0"/>
-          <a:chOff x="0" y="0"/>
-          <a:chExt cx="0" cy="0"/>
-        </a:xfrm>
-      </p:grpSpPr>
-      <p:pic>
-        <p:nvPicPr>
-          <p:cNvPr id="2" name="Picture 1"/>
-          <p:cNvPicPr>
-            <a:picLocks noChangeAspect="1"/>
-          </p:cNvPicPr>
-          <p:nvPr/>
-        </p:nvPicPr>
-        <p:blipFill>
-          <a:blip r:embed="rId2">
-            <a:extLst>
-              <a:ext uri="{28A0092B-C50C-407E-A947-70E740481C1C}">
-                <a14:useLocalDpi xmlns:a14="http://schemas.microsoft.com/office/drawing/2010/main" val="0"/>
-              </a:ext>
-            </a:extLst>
-          </a:blip>
-          <a:stretch>
-            <a:fillRect/>
-          </a:stretch>
-        </p:blipFill>
-        <p:spPr>
-          <a:xfrm>
-            <a:off x="949569" y="756286"/>
-            <a:ext cx="10811608" cy="4350371"/>
-          </a:xfrm>
-          <a:prstGeom prst="rect">
-            <a:avLst/>
-          </a:prstGeom>
-        </p:spPr>
-      </p:pic>
-      <p:sp>
-        <p:nvSpPr>
-          <p:cNvPr id="3" name="Rectangle 2"/>
-          <p:cNvSpPr/>
-          <p:nvPr/>
-        </p:nvSpPr>
-        <p:spPr>
-          <a:xfrm>
-            <a:off x="4512561" y="5565504"/>
-            <a:ext cx="3685624" cy="369332"/>
-          </a:xfrm>
-          <a:prstGeom prst="rect">
-            <a:avLst/>
-          </a:prstGeom>
-        </p:spPr>
-        <p:txBody>
-          <a:bodyPr wrap="none">
-            <a:spAutoFit/>
-          </a:bodyPr>
-          <a:lstStyle/>
-          <a:p>
-            <a:r>
-              <a:rPr lang="tr-TR" dirty="0">
-                <a:latin typeface="Arial" panose="020B0604020202020204" pitchFamily="34" charset="0"/>
-                <a:cs typeface="Arial" panose="020B0604020202020204" pitchFamily="34" charset="0"/>
-              </a:rPr>
-              <a:t>Goal addding page for developer.</a:t>
-            </a:r>
-          </a:p>
-        </p:txBody>
-      </p:sp>
-    </p:spTree>
-    <p:extLst>
-      <p:ext uri="{BB962C8B-B14F-4D97-AF65-F5344CB8AC3E}">
-        <p14:creationId xmlns:p14="http://schemas.microsoft.com/office/powerpoint/2010/main" val="936264532"/>
-      </p:ext>
-    </p:extLst>
-  </p:cSld>
-  <p:clrMapOvr>
-    <a:masterClrMapping/>
-  </p:clrMapOvr>
-</p:sld>
-</file>
-
-<file path=ppt/slides/slide57.xml><?xml version="1.0" encoding="utf-8"?>
-<p:sld xmlns:a="http://schemas.openxmlformats.org/drawingml/2006/main" xmlns:r="http://schemas.openxmlformats.org/officeDocument/2006/relationships" xmlns:p="http://schemas.openxmlformats.org/presentationml/2006/main">
-  <p:cSld>
-    <p:spTree>
-      <p:nvGrpSpPr>
-        <p:cNvPr id="1" name=""/>
-        <p:cNvGrpSpPr/>
-        <p:nvPr/>
-      </p:nvGrpSpPr>
-      <p:grpSpPr>
-        <a:xfrm>
-          <a:off x="0" y="0"/>
-          <a:ext cx="0" cy="0"/>
-          <a:chOff x="0" y="0"/>
-          <a:chExt cx="0" cy="0"/>
-        </a:xfrm>
-      </p:grpSpPr>
-      <p:pic>
-        <p:nvPicPr>
-          <p:cNvPr id="2" name="Picture 1"/>
-          <p:cNvPicPr>
-            <a:picLocks noChangeAspect="1"/>
-          </p:cNvPicPr>
-          <p:nvPr/>
-        </p:nvPicPr>
-        <p:blipFill>
-          <a:blip r:embed="rId2">
-            <a:extLst>
-              <a:ext uri="{28A0092B-C50C-407E-A947-70E740481C1C}">
-                <a14:useLocalDpi xmlns:a14="http://schemas.microsoft.com/office/drawing/2010/main" val="0"/>
-              </a:ext>
-            </a:extLst>
-          </a:blip>
-          <a:stretch>
-            <a:fillRect/>
-          </a:stretch>
-        </p:blipFill>
-        <p:spPr>
-          <a:xfrm>
-            <a:off x="738554" y="759781"/>
-            <a:ext cx="11110546" cy="4159817"/>
-          </a:xfrm>
-          <a:prstGeom prst="rect">
-            <a:avLst/>
-          </a:prstGeom>
-        </p:spPr>
-      </p:pic>
-      <p:sp>
-        <p:nvSpPr>
-          <p:cNvPr id="3" name="Rectangle 2"/>
-          <p:cNvSpPr/>
-          <p:nvPr/>
-        </p:nvSpPr>
-        <p:spPr>
-          <a:xfrm>
-            <a:off x="4512730" y="5389657"/>
-            <a:ext cx="3562194" cy="369332"/>
-          </a:xfrm>
-          <a:prstGeom prst="rect">
-            <a:avLst/>
-          </a:prstGeom>
-        </p:spPr>
-        <p:txBody>
-          <a:bodyPr wrap="none">
-            <a:spAutoFit/>
-          </a:bodyPr>
-          <a:lstStyle/>
-          <a:p>
-            <a:r>
-              <a:rPr lang="tr-TR" dirty="0">
-                <a:latin typeface="Arial" panose="020B0604020202020204" pitchFamily="34" charset="0"/>
-                <a:cs typeface="Arial" panose="020B0604020202020204" pitchFamily="34" charset="0"/>
-              </a:rPr>
-              <a:t>Goal update page for developer.</a:t>
-            </a:r>
-          </a:p>
-        </p:txBody>
-      </p:sp>
-    </p:spTree>
-    <p:extLst>
-      <p:ext uri="{BB962C8B-B14F-4D97-AF65-F5344CB8AC3E}">
-        <p14:creationId xmlns:p14="http://schemas.microsoft.com/office/powerpoint/2010/main" val="977084193"/>
-      </p:ext>
-    </p:extLst>
-  </p:cSld>
-  <p:clrMapOvr>
-    <a:masterClrMapping/>
-  </p:clrMapOvr>
-</p:sld>
-</file>
-
-<file path=ppt/slides/slide58.xml><?xml version="1.0" encoding="utf-8"?>
-<p:sld xmlns:a="http://schemas.openxmlformats.org/drawingml/2006/main" xmlns:r="http://schemas.openxmlformats.org/officeDocument/2006/relationships" xmlns:p="http://schemas.openxmlformats.org/presentationml/2006/main">
-  <p:cSld>
-    <p:spTree>
-      <p:nvGrpSpPr>
-        <p:cNvPr id="1" name=""/>
-        <p:cNvGrpSpPr/>
-        <p:nvPr/>
-      </p:nvGrpSpPr>
-      <p:grpSpPr>
-        <a:xfrm>
-          <a:off x="0" y="0"/>
-          <a:ext cx="0" cy="0"/>
-          <a:chOff x="0" y="0"/>
-          <a:chExt cx="0" cy="0"/>
-        </a:xfrm>
-      </p:grpSpPr>
-      <p:sp>
-        <p:nvSpPr>
-          <p:cNvPr id="3" name="Rectangle 2"/>
-          <p:cNvSpPr/>
-          <p:nvPr/>
-        </p:nvSpPr>
-        <p:spPr>
-          <a:xfrm>
-            <a:off x="8452338" y="986889"/>
-            <a:ext cx="3557954" cy="2862322"/>
-          </a:xfrm>
-          <a:prstGeom prst="rect">
-            <a:avLst/>
-          </a:prstGeom>
-        </p:spPr>
-        <p:txBody>
-          <a:bodyPr wrap="square">
-            <a:spAutoFit/>
-          </a:bodyPr>
-          <a:lstStyle/>
-          <a:p>
-            <a:r>
-              <a:rPr lang="tr-TR" dirty="0">
-                <a:latin typeface="Arial" panose="020B0604020202020204" pitchFamily="34" charset="0"/>
-                <a:cs typeface="Arial" panose="020B0604020202020204" pitchFamily="34" charset="0"/>
-              </a:rPr>
-              <a:t>After logging in, the developer can start and control the match by clicking the ‘Live button’ in fixture table.</a:t>
-            </a:r>
-          </a:p>
-          <a:p>
-            <a:endParaRPr lang="tr-TR" dirty="0">
-              <a:latin typeface="Arial" panose="020B0604020202020204" pitchFamily="34" charset="0"/>
-              <a:cs typeface="Arial" panose="020B0604020202020204" pitchFamily="34" charset="0"/>
-            </a:endParaRPr>
-          </a:p>
-          <a:p>
-            <a:r>
-              <a:rPr lang="tr-TR" dirty="0">
-                <a:latin typeface="Arial" panose="020B0604020202020204" pitchFamily="34" charset="0"/>
-                <a:cs typeface="Arial" panose="020B0604020202020204" pitchFamily="34" charset="0"/>
-              </a:rPr>
-              <a:t>Developer can add detail, goal, assist and statistic via this page.</a:t>
-            </a:r>
-          </a:p>
-          <a:p>
-            <a:endParaRPr lang="tr-TR" dirty="0">
-              <a:latin typeface="Arial" panose="020B0604020202020204" pitchFamily="34" charset="0"/>
-              <a:cs typeface="Arial" panose="020B0604020202020204" pitchFamily="34" charset="0"/>
-            </a:endParaRPr>
-          </a:p>
-          <a:p>
-            <a:r>
-              <a:rPr lang="tr-TR" dirty="0">
-                <a:latin typeface="Arial" panose="020B0604020202020204" pitchFamily="34" charset="0"/>
-                <a:cs typeface="Arial" panose="020B0604020202020204" pitchFamily="34" charset="0"/>
-              </a:rPr>
-              <a:t>Each teams’ players are shown in this page.</a:t>
-            </a:r>
-          </a:p>
-        </p:txBody>
-      </p:sp>
-      <p:pic>
-        <p:nvPicPr>
-          <p:cNvPr id="4" name="Picture 3"/>
-          <p:cNvPicPr>
-            <a:picLocks noChangeAspect="1"/>
-          </p:cNvPicPr>
-          <p:nvPr/>
-        </p:nvPicPr>
-        <p:blipFill>
-          <a:blip r:embed="rId2">
-            <a:extLst>
-              <a:ext uri="{28A0092B-C50C-407E-A947-70E740481C1C}">
-                <a14:useLocalDpi xmlns:a14="http://schemas.microsoft.com/office/drawing/2010/main" val="0"/>
-              </a:ext>
-            </a:extLst>
-          </a:blip>
-          <a:stretch>
-            <a:fillRect/>
-          </a:stretch>
-        </p:blipFill>
-        <p:spPr>
-          <a:xfrm>
-            <a:off x="450715" y="0"/>
-            <a:ext cx="7650553" cy="6858000"/>
-          </a:xfrm>
-          <a:prstGeom prst="rect">
-            <a:avLst/>
-          </a:prstGeom>
-        </p:spPr>
-      </p:pic>
-    </p:spTree>
-    <p:extLst>
-      <p:ext uri="{BB962C8B-B14F-4D97-AF65-F5344CB8AC3E}">
-        <p14:creationId xmlns:p14="http://schemas.microsoft.com/office/powerpoint/2010/main" val="206020193"/>
       </p:ext>
     </p:extLst>
   </p:cSld>
